--- a/Dokumente/pflichtenheft/Vortrag/präsentation.pptx
+++ b/Dokumente/pflichtenheft/Vortrag/präsentation.pptx
@@ -4548,7 +4548,7 @@
           <a:p>
             <a:fld id="{E1E09FBF-B1EB-4BEA-B4ED-26B95D4CA6A5}" type="datetimeFigureOut">
               <a:rPr lang="de-DE" smtClean="0"/>
-              <a:t>21.11.2018</a:t>
+              <a:t>22.11.2018</a:t>
             </a:fld>
             <a:endParaRPr lang="de-DE"/>
           </a:p>
@@ -4746,7 +4746,7 @@
           <a:p>
             <a:fld id="{E1E09FBF-B1EB-4BEA-B4ED-26B95D4CA6A5}" type="datetimeFigureOut">
               <a:rPr lang="de-DE" smtClean="0"/>
-              <a:t>21.11.2018</a:t>
+              <a:t>22.11.2018</a:t>
             </a:fld>
             <a:endParaRPr lang="de-DE"/>
           </a:p>
@@ -4954,7 +4954,7 @@
           <a:p>
             <a:fld id="{E1E09FBF-B1EB-4BEA-B4ED-26B95D4CA6A5}" type="datetimeFigureOut">
               <a:rPr lang="de-DE" smtClean="0"/>
-              <a:t>21.11.2018</a:t>
+              <a:t>22.11.2018</a:t>
             </a:fld>
             <a:endParaRPr lang="de-DE"/>
           </a:p>
@@ -5152,7 +5152,7 @@
           <a:p>
             <a:fld id="{E1E09FBF-B1EB-4BEA-B4ED-26B95D4CA6A5}" type="datetimeFigureOut">
               <a:rPr lang="de-DE" smtClean="0"/>
-              <a:t>21.11.2018</a:t>
+              <a:t>22.11.2018</a:t>
             </a:fld>
             <a:endParaRPr lang="de-DE"/>
           </a:p>
@@ -5427,7 +5427,7 @@
           <a:p>
             <a:fld id="{E1E09FBF-B1EB-4BEA-B4ED-26B95D4CA6A5}" type="datetimeFigureOut">
               <a:rPr lang="de-DE" smtClean="0"/>
-              <a:t>21.11.2018</a:t>
+              <a:t>22.11.2018</a:t>
             </a:fld>
             <a:endParaRPr lang="de-DE"/>
           </a:p>
@@ -5692,7 +5692,7 @@
           <a:p>
             <a:fld id="{E1E09FBF-B1EB-4BEA-B4ED-26B95D4CA6A5}" type="datetimeFigureOut">
               <a:rPr lang="de-DE" smtClean="0"/>
-              <a:t>21.11.2018</a:t>
+              <a:t>22.11.2018</a:t>
             </a:fld>
             <a:endParaRPr lang="de-DE"/>
           </a:p>
@@ -6104,7 +6104,7 @@
           <a:p>
             <a:fld id="{E1E09FBF-B1EB-4BEA-B4ED-26B95D4CA6A5}" type="datetimeFigureOut">
               <a:rPr lang="de-DE" smtClean="0"/>
-              <a:t>21.11.2018</a:t>
+              <a:t>22.11.2018</a:t>
             </a:fld>
             <a:endParaRPr lang="de-DE"/>
           </a:p>
@@ -6245,7 +6245,7 @@
           <a:p>
             <a:fld id="{E1E09FBF-B1EB-4BEA-B4ED-26B95D4CA6A5}" type="datetimeFigureOut">
               <a:rPr lang="de-DE" smtClean="0"/>
-              <a:t>21.11.2018</a:t>
+              <a:t>22.11.2018</a:t>
             </a:fld>
             <a:endParaRPr lang="de-DE"/>
           </a:p>
@@ -6358,7 +6358,7 @@
           <a:p>
             <a:fld id="{E1E09FBF-B1EB-4BEA-B4ED-26B95D4CA6A5}" type="datetimeFigureOut">
               <a:rPr lang="de-DE" smtClean="0"/>
-              <a:t>21.11.2018</a:t>
+              <a:t>22.11.2018</a:t>
             </a:fld>
             <a:endParaRPr lang="de-DE"/>
           </a:p>
@@ -6669,7 +6669,7 @@
           <a:p>
             <a:fld id="{E1E09FBF-B1EB-4BEA-B4ED-26B95D4CA6A5}" type="datetimeFigureOut">
               <a:rPr lang="de-DE" smtClean="0"/>
-              <a:t>21.11.2018</a:t>
+              <a:t>22.11.2018</a:t>
             </a:fld>
             <a:endParaRPr lang="de-DE"/>
           </a:p>
@@ -6957,7 +6957,7 @@
           <a:p>
             <a:fld id="{E1E09FBF-B1EB-4BEA-B4ED-26B95D4CA6A5}" type="datetimeFigureOut">
               <a:rPr lang="de-DE" smtClean="0"/>
-              <a:t>21.11.2018</a:t>
+              <a:t>22.11.2018</a:t>
             </a:fld>
             <a:endParaRPr lang="de-DE"/>
           </a:p>
@@ -7198,7 +7198,7 @@
           <a:p>
             <a:fld id="{E1E09FBF-B1EB-4BEA-B4ED-26B95D4CA6A5}" type="datetimeFigureOut">
               <a:rPr lang="de-DE" smtClean="0"/>
-              <a:t>21.11.2018</a:t>
+              <a:t>22.11.2018</a:t>
             </a:fld>
             <a:endParaRPr lang="de-DE"/>
           </a:p>

--- a/Dokumente/pflichtenheft/Vortrag/präsentation.pptx
+++ b/Dokumente/pflichtenheft/Vortrag/präsentation.pptx
@@ -6908,6 +6908,11 @@
           <a:prstGeom prst="rect">
             <a:avLst/>
           </a:prstGeom>
+          <a:ln>
+            <a:solidFill>
+              <a:schemeClr val="tx1"/>
+            </a:solidFill>
+          </a:ln>
         </p:spPr>
       </p:pic>
     </p:spTree>
@@ -6940,67 +6945,83 @@
           <a:chExt cx="0" cy="0"/>
         </a:xfrm>
       </p:grpSpPr>
-      <p:sp>
-        <p:nvSpPr>
-          <p:cNvPr id="2" name="Titel 1">
+      <p:pic>
+        <p:nvPicPr>
+          <p:cNvPr id="6" name="Grafik 5">
             <a:extLst>
               <a:ext uri="{FF2B5EF4-FFF2-40B4-BE49-F238E27FC236}">
-                <a16:creationId xmlns:a16="http://schemas.microsoft.com/office/drawing/2014/main" id="{91E401D8-B857-4E6B-A296-CB973245DEDD}"/>
+                <a16:creationId xmlns:a16="http://schemas.microsoft.com/office/drawing/2014/main" id="{DEF9B89B-7E9E-4400-8C8B-E18D15994F6D}"/>
               </a:ext>
             </a:extLst>
           </p:cNvPr>
-          <p:cNvSpPr>
-            <a:spLocks noGrp="1"/>
-          </p:cNvSpPr>
-          <p:nvPr>
-            <p:ph type="title"/>
-          </p:nvPr>
-        </p:nvSpPr>
-        <p:spPr/>
-        <p:txBody>
-          <a:bodyPr/>
-          <a:lstStyle/>
-          <a:p>
-            <a:endParaRPr lang="de-DE"/>
-          </a:p>
-        </p:txBody>
-      </p:sp>
-      <p:sp>
-        <p:nvSpPr>
-          <p:cNvPr id="3" name="Inhaltsplatzhalter 2">
+          <p:cNvPicPr>
+            <a:picLocks noChangeAspect="1"/>
+          </p:cNvPicPr>
+          <p:nvPr/>
+        </p:nvPicPr>
+        <p:blipFill>
+          <a:blip r:embed="rId2">
+            <a:extLst>
+              <a:ext uri="{28A0092B-C50C-407E-A947-70E740481C1C}">
+                <a14:useLocalDpi xmlns:a14="http://schemas.microsoft.com/office/drawing/2010/main" val="0"/>
+              </a:ext>
+            </a:extLst>
+          </a:blip>
+          <a:stretch>
+            <a:fillRect/>
+          </a:stretch>
+        </p:blipFill>
+        <p:spPr>
+          <a:xfrm>
+            <a:off x="1776000" y="680716"/>
+            <a:ext cx="8640000" cy="5496567"/>
+          </a:xfrm>
+          <a:prstGeom prst="rect">
+            <a:avLst/>
+          </a:prstGeom>
+          <a:ln>
+            <a:solidFill>
+              <a:schemeClr val="tx1"/>
+            </a:solidFill>
+          </a:ln>
+        </p:spPr>
+      </p:pic>
+      <p:pic>
+        <p:nvPicPr>
+          <p:cNvPr id="7" name="Grafik 6">
             <a:extLst>
               <a:ext uri="{FF2B5EF4-FFF2-40B4-BE49-F238E27FC236}">
-                <a16:creationId xmlns:a16="http://schemas.microsoft.com/office/drawing/2014/main" id="{23D2B69A-DD64-428A-A8AA-3534EFE1972D}"/>
+                <a16:creationId xmlns:a16="http://schemas.microsoft.com/office/drawing/2014/main" id="{2D6F4A17-A3A0-401D-9146-E3AED47490C7}"/>
               </a:ext>
             </a:extLst>
           </p:cNvPr>
-          <p:cNvSpPr>
-            <a:spLocks noGrp="1"/>
-          </p:cNvSpPr>
-          <p:nvPr>
-            <p:ph idx="1"/>
-          </p:nvPr>
-        </p:nvSpPr>
-        <p:spPr/>
-        <p:txBody>
-          <a:bodyPr/>
-          <a:lstStyle/>
-          <a:p>
-            <a:r>
-              <a:rPr lang="de-DE" dirty="0"/>
-              <a:t>Segmentkonfiguration; </a:t>
-            </a:r>
-            <a:r>
-              <a:rPr lang="de-DE" dirty="0" err="1"/>
-              <a:t>Grim</a:t>
-            </a:r>
-            <a:r>
-              <a:rPr lang="de-DE" dirty="0"/>
-              <a:t> als Strategie</a:t>
-            </a:r>
-          </a:p>
-        </p:txBody>
-      </p:sp>
+          <p:cNvPicPr>
+            <a:picLocks noChangeAspect="1"/>
+          </p:cNvPicPr>
+          <p:nvPr/>
+        </p:nvPicPr>
+        <p:blipFill>
+          <a:blip r:embed="rId3">
+            <a:extLst>
+              <a:ext uri="{28A0092B-C50C-407E-A947-70E740481C1C}">
+                <a14:useLocalDpi xmlns:a14="http://schemas.microsoft.com/office/drawing/2010/main" val="0"/>
+              </a:ext>
+            </a:extLst>
+          </a:blip>
+          <a:stretch>
+            <a:fillRect/>
+          </a:stretch>
+        </p:blipFill>
+        <p:spPr>
+          <a:xfrm>
+            <a:off x="2184443" y="1170705"/>
+            <a:ext cx="7400226" cy="2335975"/>
+          </a:xfrm>
+          <a:prstGeom prst="rect">
+            <a:avLst/>
+          </a:prstGeom>
+        </p:spPr>
+      </p:pic>
     </p:spTree>
     <p:extLst>
       <p:ext uri="{BB962C8B-B14F-4D97-AF65-F5344CB8AC3E}">
@@ -7033,19 +7054,17 @@
       </p:grpSpPr>
       <p:pic>
         <p:nvPicPr>
-          <p:cNvPr id="5" name="Inhaltsplatzhalter 4">
+          <p:cNvPr id="6" name="Inhaltsplatzhalter 5">
             <a:extLst>
               <a:ext uri="{FF2B5EF4-FFF2-40B4-BE49-F238E27FC236}">
-                <a16:creationId xmlns:a16="http://schemas.microsoft.com/office/drawing/2014/main" id="{11D78B12-6E05-4F38-BBB1-ABB36AE002BA}"/>
+                <a16:creationId xmlns:a16="http://schemas.microsoft.com/office/drawing/2014/main" id="{8FC8A21B-0325-4926-929C-C5D13E637ED3}"/>
               </a:ext>
             </a:extLst>
           </p:cNvPr>
           <p:cNvPicPr>
-            <a:picLocks noGrp="1" noChangeAspect="1"/>
+            <a:picLocks noChangeAspect="1"/>
           </p:cNvPicPr>
-          <p:nvPr>
-            <p:ph idx="1"/>
-          </p:nvPr>
+          <p:nvPr/>
         </p:nvPicPr>
         <p:blipFill>
           <a:blip r:embed="rId2">
@@ -7061,9 +7080,12 @@
         </p:blipFill>
         <p:spPr>
           <a:xfrm>
-            <a:off x="1611551" y="1253331"/>
-            <a:ext cx="8968897" cy="4351338"/>
+            <a:off x="1776000" y="1173543"/>
+            <a:ext cx="8640000" cy="4510914"/>
           </a:xfrm>
+          <a:prstGeom prst="rect">
+            <a:avLst/>
+          </a:prstGeom>
           <a:ln>
             <a:solidFill>
               <a:schemeClr val="tx1"/>
@@ -7370,42 +7392,6 @@
       </p:grpSpPr>
       <p:pic>
         <p:nvPicPr>
-          <p:cNvPr id="4" name="Grafik 3">
-            <a:extLst>
-              <a:ext uri="{FF2B5EF4-FFF2-40B4-BE49-F238E27FC236}">
-                <a16:creationId xmlns:a16="http://schemas.microsoft.com/office/drawing/2014/main" id="{519B4708-214C-4099-B82E-B708FA590D5E}"/>
-              </a:ext>
-            </a:extLst>
-          </p:cNvPr>
-          <p:cNvPicPr>
-            <a:picLocks noChangeAspect="1"/>
-          </p:cNvPicPr>
-          <p:nvPr/>
-        </p:nvPicPr>
-        <p:blipFill>
-          <a:blip r:embed="rId2">
-            <a:extLst>
-              <a:ext uri="{28A0092B-C50C-407E-A947-70E740481C1C}">
-                <a14:useLocalDpi xmlns:a14="http://schemas.microsoft.com/office/drawing/2010/main" val="0"/>
-              </a:ext>
-            </a:extLst>
-          </a:blip>
-          <a:stretch>
-            <a:fillRect/>
-          </a:stretch>
-        </p:blipFill>
-        <p:spPr>
-          <a:xfrm>
-            <a:off x="723600" y="68407"/>
-            <a:ext cx="5473981" cy="6705945"/>
-          </a:xfrm>
-          <a:prstGeom prst="rect">
-            <a:avLst/>
-          </a:prstGeom>
-        </p:spPr>
-      </p:pic>
-      <p:pic>
-        <p:nvPicPr>
           <p:cNvPr id="6" name="Grafik 5">
             <a:extLst>
               <a:ext uri="{FF2B5EF4-FFF2-40B4-BE49-F238E27FC236}">
@@ -7419,7 +7405,7 @@
           <p:nvPr/>
         </p:nvPicPr>
         <p:blipFill>
-          <a:blip r:embed="rId3">
+          <a:blip r:embed="rId2">
             <a:alphaModFix/>
             <a:extLst>
               <a:ext uri="{28A0092B-C50C-407E-A947-70E740481C1C}">
@@ -7456,7 +7442,7 @@
           <p:nvPr/>
         </p:nvPicPr>
         <p:blipFill>
-          <a:blip r:embed="rId4">
+          <a:blip r:embed="rId3">
             <a:alphaModFix/>
             <a:extLst>
               <a:ext uri="{28A0092B-C50C-407E-A947-70E740481C1C}">
@@ -7493,7 +7479,7 @@
           <p:nvPr/>
         </p:nvPicPr>
         <p:blipFill>
-          <a:blip r:embed="rId5">
+          <a:blip r:embed="rId4">
             <a:alphaModFix/>
             <a:extLst>
               <a:ext uri="{28A0092B-C50C-407E-A947-70E740481C1C}">
@@ -7530,7 +7516,7 @@
           <p:nvPr/>
         </p:nvPicPr>
         <p:blipFill>
-          <a:blip r:embed="rId6">
+          <a:blip r:embed="rId5">
             <a:alphaModFix/>
             <a:extLst>
               <a:ext uri="{28A0092B-C50C-407E-A947-70E740481C1C}">
@@ -7904,7 +7890,7 @@
                             </p:stCondLst>
                             <p:childTnLst>
                               <p:par>
-                                <p:cTn id="23" presetID="1" presetClass="exit" presetSubtype="0" fill="hold" nodeType="clickEffect">
+                                <p:cTn id="23" presetID="10" presetClass="entr" presetSubtype="0" fill="hold" grpId="0" nodeType="clickEffect">
                                   <p:stCondLst>
                                     <p:cond delay="0"/>
                                   </p:stCondLst>
@@ -7912,78 +7898,6 @@
                                     <p:set>
                                       <p:cBhvr>
                                         <p:cTn id="24" dur="1" fill="hold">
-                                          <p:stCondLst>
-                                            <p:cond delay="0"/>
-                                          </p:stCondLst>
-                                        </p:cTn>
-                                        <p:tgtEl>
-                                          <p:spTgt spid="6"/>
-                                        </p:tgtEl>
-                                        <p:attrNameLst>
-                                          <p:attrName>style.visibility</p:attrName>
-                                        </p:attrNameLst>
-                                      </p:cBhvr>
-                                      <p:to>
-                                        <p:strVal val="hidden"/>
-                                      </p:to>
-                                    </p:set>
-                                  </p:childTnLst>
-                                </p:cTn>
-                              </p:par>
-                              <p:par>
-                                <p:cTn id="25" presetID="1" presetClass="entr" presetSubtype="0" fill="hold" nodeType="withEffect">
-                                  <p:stCondLst>
-                                    <p:cond delay="0"/>
-                                  </p:stCondLst>
-                                  <p:childTnLst>
-                                    <p:set>
-                                      <p:cBhvr>
-                                        <p:cTn id="26" dur="1" fill="hold">
-                                          <p:stCondLst>
-                                            <p:cond delay="0"/>
-                                          </p:stCondLst>
-                                        </p:cTn>
-                                        <p:tgtEl>
-                                          <p:spTgt spid="4"/>
-                                        </p:tgtEl>
-                                        <p:attrNameLst>
-                                          <p:attrName>style.visibility</p:attrName>
-                                        </p:attrNameLst>
-                                      </p:cBhvr>
-                                      <p:to>
-                                        <p:strVal val="visible"/>
-                                      </p:to>
-                                    </p:set>
-                                  </p:childTnLst>
-                                </p:cTn>
-                              </p:par>
-                            </p:childTnLst>
-                          </p:cTn>
-                        </p:par>
-                      </p:childTnLst>
-                    </p:cTn>
-                  </p:par>
-                  <p:par>
-                    <p:cTn id="27" fill="hold">
-                      <p:stCondLst>
-                        <p:cond delay="indefinite"/>
-                      </p:stCondLst>
-                      <p:childTnLst>
-                        <p:par>
-                          <p:cTn id="28" fill="hold">
-                            <p:stCondLst>
-                              <p:cond delay="0"/>
-                            </p:stCondLst>
-                            <p:childTnLst>
-                              <p:par>
-                                <p:cTn id="29" presetID="10" presetClass="entr" presetSubtype="0" fill="hold" grpId="0" nodeType="clickEffect">
-                                  <p:stCondLst>
-                                    <p:cond delay="0"/>
-                                  </p:stCondLst>
-                                  <p:childTnLst>
-                                    <p:set>
-                                      <p:cBhvr>
-                                        <p:cTn id="30" dur="1" fill="hold">
                                           <p:stCondLst>
                                             <p:cond delay="0"/>
                                           </p:stCondLst>
@@ -8001,7 +7915,7 @@
                                     </p:set>
                                     <p:animEffect transition="in" filter="fade">
                                       <p:cBhvr>
-                                        <p:cTn id="31" dur="500"/>
+                                        <p:cTn id="25" dur="500"/>
                                         <p:tgtEl>
                                           <p:spTgt spid="13"/>
                                         </p:tgtEl>
@@ -8017,26 +7931,26 @@
                     </p:cTn>
                   </p:par>
                   <p:par>
-                    <p:cTn id="32" fill="hold">
+                    <p:cTn id="26" fill="hold">
                       <p:stCondLst>
                         <p:cond delay="indefinite"/>
                       </p:stCondLst>
                       <p:childTnLst>
                         <p:par>
-                          <p:cTn id="33" fill="hold">
+                          <p:cTn id="27" fill="hold">
                             <p:stCondLst>
                               <p:cond delay="0"/>
                             </p:stCondLst>
                             <p:childTnLst>
                               <p:par>
-                                <p:cTn id="34" presetID="10" presetClass="entr" presetSubtype="0" fill="hold" grpId="0" nodeType="clickEffect">
+                                <p:cTn id="28" presetID="10" presetClass="entr" presetSubtype="0" fill="hold" grpId="0" nodeType="clickEffect">
                                   <p:stCondLst>
                                     <p:cond delay="0"/>
                                   </p:stCondLst>
                                   <p:childTnLst>
                                     <p:set>
                                       <p:cBhvr>
-                                        <p:cTn id="35" dur="1" fill="hold">
+                                        <p:cTn id="29" dur="1" fill="hold">
                                           <p:stCondLst>
                                             <p:cond delay="0"/>
                                           </p:stCondLst>
@@ -8054,7 +7968,7 @@
                                     </p:set>
                                     <p:animEffect transition="in" filter="fade">
                                       <p:cBhvr>
-                                        <p:cTn id="36" dur="500"/>
+                                        <p:cTn id="30" dur="500"/>
                                         <p:tgtEl>
                                           <p:spTgt spid="14"/>
                                         </p:tgtEl>
@@ -8070,26 +7984,26 @@
                     </p:cTn>
                   </p:par>
                   <p:par>
-                    <p:cTn id="37" fill="hold">
+                    <p:cTn id="31" fill="hold">
                       <p:stCondLst>
                         <p:cond delay="indefinite"/>
                       </p:stCondLst>
                       <p:childTnLst>
                         <p:par>
-                          <p:cTn id="38" fill="hold">
+                          <p:cTn id="32" fill="hold">
                             <p:stCondLst>
                               <p:cond delay="0"/>
                             </p:stCondLst>
                             <p:childTnLst>
                               <p:par>
-                                <p:cTn id="39" presetID="10" presetClass="entr" presetSubtype="0" fill="hold" grpId="0" nodeType="clickEffect">
+                                <p:cTn id="33" presetID="10" presetClass="entr" presetSubtype="0" fill="hold" grpId="0" nodeType="clickEffect">
                                   <p:stCondLst>
                                     <p:cond delay="0"/>
                                   </p:stCondLst>
                                   <p:childTnLst>
                                     <p:set>
                                       <p:cBhvr>
-                                        <p:cTn id="40" dur="1" fill="hold">
+                                        <p:cTn id="34" dur="1" fill="hold">
                                           <p:stCondLst>
                                             <p:cond delay="0"/>
                                           </p:stCondLst>
@@ -8107,7 +8021,7 @@
                                     </p:set>
                                     <p:animEffect transition="in" filter="fade">
                                       <p:cBhvr>
-                                        <p:cTn id="41" dur="500"/>
+                                        <p:cTn id="35" dur="500"/>
                                         <p:tgtEl>
                                           <p:spTgt spid="15"/>
                                         </p:tgtEl>
@@ -20749,6 +20663,11 @@
           <a:prstGeom prst="rect">
             <a:avLst/>
           </a:prstGeom>
+          <a:ln>
+            <a:solidFill>
+              <a:schemeClr val="tx1"/>
+            </a:solidFill>
+          </a:ln>
         </p:spPr>
       </p:pic>
     </p:spTree>
@@ -20822,6 +20741,42 @@
           </a:ln>
         </p:spPr>
       </p:pic>
+      <p:pic>
+        <p:nvPicPr>
+          <p:cNvPr id="3" name="Grafik 2">
+            <a:extLst>
+              <a:ext uri="{FF2B5EF4-FFF2-40B4-BE49-F238E27FC236}">
+                <a16:creationId xmlns:a16="http://schemas.microsoft.com/office/drawing/2014/main" id="{00F2DE6A-19D8-4D3C-BFD4-E0FC879CD9C5}"/>
+              </a:ext>
+            </a:extLst>
+          </p:cNvPr>
+          <p:cNvPicPr>
+            <a:picLocks noChangeAspect="1"/>
+          </p:cNvPicPr>
+          <p:nvPr/>
+        </p:nvPicPr>
+        <p:blipFill>
+          <a:blip r:embed="rId3">
+            <a:extLst>
+              <a:ext uri="{28A0092B-C50C-407E-A947-70E740481C1C}">
+                <a14:useLocalDpi xmlns:a14="http://schemas.microsoft.com/office/drawing/2010/main" val="0"/>
+              </a:ext>
+            </a:extLst>
+          </a:blip>
+          <a:stretch>
+            <a:fillRect/>
+          </a:stretch>
+        </p:blipFill>
+        <p:spPr>
+          <a:xfrm>
+            <a:off x="2184443" y="1170705"/>
+            <a:ext cx="7400226" cy="2335975"/>
+          </a:xfrm>
+          <a:prstGeom prst="rect">
+            <a:avLst/>
+          </a:prstGeom>
+        </p:spPr>
+      </p:pic>
     </p:spTree>
     <p:extLst>
       <p:ext uri="{BB962C8B-B14F-4D97-AF65-F5344CB8AC3E}">
@@ -20882,9 +20837,49 @@
         </p:blipFill>
         <p:spPr>
           <a:xfrm>
-            <a:off x="1776000" y="1173543"/>
+            <a:off x="1776000" y="1778658"/>
             <a:ext cx="8640000" cy="4510914"/>
           </a:xfrm>
+          <a:ln>
+            <a:solidFill>
+              <a:schemeClr val="tx1"/>
+            </a:solidFill>
+          </a:ln>
+        </p:spPr>
+      </p:pic>
+      <p:pic>
+        <p:nvPicPr>
+          <p:cNvPr id="5" name="Grafik 4">
+            <a:extLst>
+              <a:ext uri="{FF2B5EF4-FFF2-40B4-BE49-F238E27FC236}">
+                <a16:creationId xmlns:a16="http://schemas.microsoft.com/office/drawing/2014/main" id="{FFAF1358-08BB-4113-861A-E24081C98F29}"/>
+              </a:ext>
+            </a:extLst>
+          </p:cNvPr>
+          <p:cNvPicPr>
+            <a:picLocks noChangeAspect="1"/>
+          </p:cNvPicPr>
+          <p:nvPr/>
+        </p:nvPicPr>
+        <p:blipFill rotWithShape="1">
+          <a:blip r:embed="rId3">
+            <a:extLst>
+              <a:ext uri="{28A0092B-C50C-407E-A947-70E740481C1C}">
+                <a14:useLocalDpi xmlns:a14="http://schemas.microsoft.com/office/drawing/2010/main" val="0"/>
+              </a:ext>
+            </a:extLst>
+          </a:blip>
+          <a:srcRect t="-4" b="75982"/>
+          <a:stretch/>
+        </p:blipFill>
+        <p:spPr>
+          <a:xfrm>
+            <a:off x="1776000" y="361934"/>
+            <a:ext cx="8640000" cy="1044000"/>
+          </a:xfrm>
+          <a:prstGeom prst="rect">
+            <a:avLst/>
+          </a:prstGeom>
         </p:spPr>
       </p:pic>
     </p:spTree>
@@ -20897,6 +20892,81 @@
   <p:clrMapOvr>
     <a:masterClrMapping/>
   </p:clrMapOvr>
+  <p:timing>
+    <p:tnLst>
+      <p:par>
+        <p:cTn id="1" dur="indefinite" restart="never" nodeType="tmRoot">
+          <p:childTnLst>
+            <p:seq concurrent="1" nextAc="seek">
+              <p:cTn id="2" dur="indefinite" nodeType="mainSeq">
+                <p:childTnLst>
+                  <p:par>
+                    <p:cTn id="3" fill="hold">
+                      <p:stCondLst>
+                        <p:cond delay="indefinite"/>
+                      </p:stCondLst>
+                      <p:childTnLst>
+                        <p:par>
+                          <p:cTn id="4" fill="hold">
+                            <p:stCondLst>
+                              <p:cond delay="0"/>
+                            </p:stCondLst>
+                            <p:childTnLst>
+                              <p:par>
+                                <p:cTn id="5" presetID="1" presetClass="entr" presetSubtype="0" fill="hold" nodeType="clickEffect">
+                                  <p:stCondLst>
+                                    <p:cond delay="0"/>
+                                  </p:stCondLst>
+                                  <p:childTnLst>
+                                    <p:set>
+                                      <p:cBhvr>
+                                        <p:cTn id="6" dur="1" fill="hold">
+                                          <p:stCondLst>
+                                            <p:cond delay="0"/>
+                                          </p:stCondLst>
+                                        </p:cTn>
+                                        <p:tgtEl>
+                                          <p:spTgt spid="5"/>
+                                        </p:tgtEl>
+                                        <p:attrNameLst>
+                                          <p:attrName>style.visibility</p:attrName>
+                                        </p:attrNameLst>
+                                      </p:cBhvr>
+                                      <p:to>
+                                        <p:strVal val="visible"/>
+                                      </p:to>
+                                    </p:set>
+                                  </p:childTnLst>
+                                </p:cTn>
+                              </p:par>
+                            </p:childTnLst>
+                          </p:cTn>
+                        </p:par>
+                      </p:childTnLst>
+                    </p:cTn>
+                  </p:par>
+                </p:childTnLst>
+              </p:cTn>
+              <p:prevCondLst>
+                <p:cond evt="onPrev" delay="0">
+                  <p:tgtEl>
+                    <p:sldTgt/>
+                  </p:tgtEl>
+                </p:cond>
+              </p:prevCondLst>
+              <p:nextCondLst>
+                <p:cond evt="onNext" delay="0">
+                  <p:tgtEl>
+                    <p:sldTgt/>
+                  </p:tgtEl>
+                </p:cond>
+              </p:nextCondLst>
+            </p:seq>
+          </p:childTnLst>
+        </p:cTn>
+      </p:par>
+    </p:tnLst>
+  </p:timing>
 </p:sld>
 </file>
 

--- a/Dokumente/pflichtenheft/Vortrag/präsentation.pptx
+++ b/Dokumente/pflichtenheft/Vortrag/präsentation.pptx
@@ -12,18 +12,19 @@
     <p:sldId id="260" r:id="rId6"/>
     <p:sldId id="264" r:id="rId7"/>
     <p:sldId id="268" r:id="rId8"/>
-    <p:sldId id="269" r:id="rId9"/>
+    <p:sldId id="285" r:id="rId9"/>
     <p:sldId id="270" r:id="rId10"/>
     <p:sldId id="275" r:id="rId11"/>
     <p:sldId id="276" r:id="rId12"/>
     <p:sldId id="277" r:id="rId13"/>
     <p:sldId id="278" r:id="rId14"/>
-    <p:sldId id="284" r:id="rId15"/>
-    <p:sldId id="279" r:id="rId16"/>
-    <p:sldId id="283" r:id="rId17"/>
-    <p:sldId id="280" r:id="rId18"/>
-    <p:sldId id="281" r:id="rId19"/>
-    <p:sldId id="282" r:id="rId20"/>
+    <p:sldId id="269" r:id="rId15"/>
+    <p:sldId id="284" r:id="rId16"/>
+    <p:sldId id="279" r:id="rId17"/>
+    <p:sldId id="283" r:id="rId18"/>
+    <p:sldId id="280" r:id="rId19"/>
+    <p:sldId id="281" r:id="rId20"/>
+    <p:sldId id="282" r:id="rId21"/>
   </p:sldIdLst>
   <p:sldSz cx="12192000" cy="6858000"/>
   <p:notesSz cx="6858000" cy="9144000"/>
@@ -6678,10 +6679,10 @@
       </p:grpSpPr>
       <p:pic>
         <p:nvPicPr>
-          <p:cNvPr id="5" name="Grafik 4">
+          <p:cNvPr id="3" name="Grafik 2">
             <a:extLst>
               <a:ext uri="{FF2B5EF4-FFF2-40B4-BE49-F238E27FC236}">
-                <a16:creationId xmlns:a16="http://schemas.microsoft.com/office/drawing/2014/main" id="{F79FFE77-D7C8-40DB-8599-10DA60D51470}"/>
+                <a16:creationId xmlns:a16="http://schemas.microsoft.com/office/drawing/2014/main" id="{9147AE84-07B8-40B0-8BFD-C107D2F3B6FC}"/>
               </a:ext>
             </a:extLst>
           </p:cNvPr>
@@ -6744,10 +6745,10 @@
       </p:grpSpPr>
       <p:pic>
         <p:nvPicPr>
-          <p:cNvPr id="5" name="Grafik 4">
+          <p:cNvPr id="3" name="Grafik 2">
             <a:extLst>
               <a:ext uri="{FF2B5EF4-FFF2-40B4-BE49-F238E27FC236}">
-                <a16:creationId xmlns:a16="http://schemas.microsoft.com/office/drawing/2014/main" id="{087A1D1D-9157-4751-9840-BD4D02F5555D}"/>
+                <a16:creationId xmlns:a16="http://schemas.microsoft.com/office/drawing/2014/main" id="{EF3C58F9-EA0C-46BD-BFC0-AED09BA5BD49}"/>
               </a:ext>
             </a:extLst>
           </p:cNvPr>
@@ -6947,6 +6948,179 @@
       </p:grpSpPr>
       <p:pic>
         <p:nvPicPr>
+          <p:cNvPr id="5" name="Grafik 4">
+            <a:extLst>
+              <a:ext uri="{FF2B5EF4-FFF2-40B4-BE49-F238E27FC236}">
+                <a16:creationId xmlns:a16="http://schemas.microsoft.com/office/drawing/2014/main" id="{5EA9F435-9A6C-48E2-836A-6DC82820CCEE}"/>
+              </a:ext>
+            </a:extLst>
+          </p:cNvPr>
+          <p:cNvPicPr>
+            <a:picLocks noChangeAspect="1"/>
+          </p:cNvPicPr>
+          <p:nvPr/>
+        </p:nvPicPr>
+        <p:blipFill>
+          <a:blip r:embed="rId2">
+            <a:extLst>
+              <a:ext uri="{28A0092B-C50C-407E-A947-70E740481C1C}">
+                <a14:useLocalDpi xmlns:a14="http://schemas.microsoft.com/office/drawing/2010/main" val="0"/>
+              </a:ext>
+            </a:extLst>
+          </a:blip>
+          <a:stretch>
+            <a:fillRect/>
+          </a:stretch>
+        </p:blipFill>
+        <p:spPr>
+          <a:xfrm>
+            <a:off x="1776000" y="680716"/>
+            <a:ext cx="8640000" cy="5496567"/>
+          </a:xfrm>
+          <a:prstGeom prst="rect">
+            <a:avLst/>
+          </a:prstGeom>
+          <a:ln>
+            <a:solidFill>
+              <a:schemeClr val="tx1"/>
+            </a:solidFill>
+          </a:ln>
+        </p:spPr>
+      </p:pic>
+      <p:pic>
+        <p:nvPicPr>
+          <p:cNvPr id="3" name="Grafik 2">
+            <a:extLst>
+              <a:ext uri="{FF2B5EF4-FFF2-40B4-BE49-F238E27FC236}">
+                <a16:creationId xmlns:a16="http://schemas.microsoft.com/office/drawing/2014/main" id="{00F2DE6A-19D8-4D3C-BFD4-E0FC879CD9C5}"/>
+              </a:ext>
+            </a:extLst>
+          </p:cNvPr>
+          <p:cNvPicPr>
+            <a:picLocks noChangeAspect="1"/>
+          </p:cNvPicPr>
+          <p:nvPr/>
+        </p:nvPicPr>
+        <p:blipFill>
+          <a:blip r:embed="rId3">
+            <a:extLst>
+              <a:ext uri="{28A0092B-C50C-407E-A947-70E740481C1C}">
+                <a14:useLocalDpi xmlns:a14="http://schemas.microsoft.com/office/drawing/2010/main" val="0"/>
+              </a:ext>
+            </a:extLst>
+          </a:blip>
+          <a:stretch>
+            <a:fillRect/>
+          </a:stretch>
+        </p:blipFill>
+        <p:spPr>
+          <a:xfrm>
+            <a:off x="2184443" y="1170705"/>
+            <a:ext cx="7400226" cy="2335975"/>
+          </a:xfrm>
+          <a:prstGeom prst="rect">
+            <a:avLst/>
+          </a:prstGeom>
+        </p:spPr>
+      </p:pic>
+      <p:pic>
+        <p:nvPicPr>
+          <p:cNvPr id="2" name="Grafik 1">
+            <a:extLst>
+              <a:ext uri="{FF2B5EF4-FFF2-40B4-BE49-F238E27FC236}">
+                <a16:creationId xmlns:a16="http://schemas.microsoft.com/office/drawing/2014/main" id="{2305FB5A-E960-4782-AB55-E10EDD0F8564}"/>
+              </a:ext>
+            </a:extLst>
+          </p:cNvPr>
+          <p:cNvPicPr>
+            <a:picLocks noChangeAspect="1"/>
+          </p:cNvPicPr>
+          <p:nvPr/>
+        </p:nvPicPr>
+        <p:blipFill>
+          <a:blip r:embed="rId4"/>
+          <a:stretch>
+            <a:fillRect/>
+          </a:stretch>
+        </p:blipFill>
+        <p:spPr>
+          <a:xfrm>
+            <a:off x="2070143" y="709292"/>
+            <a:ext cx="2025607" cy="376440"/>
+          </a:xfrm>
+          <a:prstGeom prst="rect">
+            <a:avLst/>
+          </a:prstGeom>
+        </p:spPr>
+      </p:pic>
+      <p:pic>
+        <p:nvPicPr>
+          <p:cNvPr id="6" name="Grafik 5">
+            <a:extLst>
+              <a:ext uri="{FF2B5EF4-FFF2-40B4-BE49-F238E27FC236}">
+                <a16:creationId xmlns:a16="http://schemas.microsoft.com/office/drawing/2014/main" id="{8C4FCBA9-A933-46CE-8104-811E4AC6F0C0}"/>
+              </a:ext>
+            </a:extLst>
+          </p:cNvPr>
+          <p:cNvPicPr>
+            <a:picLocks noChangeAspect="1"/>
+          </p:cNvPicPr>
+          <p:nvPr/>
+        </p:nvPicPr>
+        <p:blipFill>
+          <a:blip r:embed="rId5">
+            <a:extLst>
+              <a:ext uri="{28A0092B-C50C-407E-A947-70E740481C1C}">
+                <a14:useLocalDpi xmlns:a14="http://schemas.microsoft.com/office/drawing/2010/main" val="0"/>
+              </a:ext>
+            </a:extLst>
+          </a:blip>
+          <a:stretch>
+            <a:fillRect/>
+          </a:stretch>
+        </p:blipFill>
+        <p:spPr>
+          <a:xfrm>
+            <a:off x="2184443" y="3487631"/>
+            <a:ext cx="7340557" cy="2369926"/>
+          </a:xfrm>
+          <a:prstGeom prst="rect">
+            <a:avLst/>
+          </a:prstGeom>
+        </p:spPr>
+      </p:pic>
+    </p:spTree>
+    <p:extLst>
+      <p:ext uri="{BB962C8B-B14F-4D97-AF65-F5344CB8AC3E}">
+        <p14:creationId xmlns:p14="http://schemas.microsoft.com/office/powerpoint/2010/main" val="4052512301"/>
+      </p:ext>
+    </p:extLst>
+  </p:cSld>
+  <p:clrMapOvr>
+    <a:masterClrMapping/>
+  </p:clrMapOvr>
+</p:sld>
+</file>
+
+<file path=ppt/slides/slide15.xml><?xml version="1.0" encoding="utf-8"?>
+<p:sld xmlns:a="http://schemas.openxmlformats.org/drawingml/2006/main" xmlns:r="http://schemas.openxmlformats.org/officeDocument/2006/relationships" xmlns:p="http://schemas.openxmlformats.org/presentationml/2006/main">
+  <p:cSld>
+    <p:spTree>
+      <p:nvGrpSpPr>
+        <p:cNvPr id="1" name=""/>
+        <p:cNvGrpSpPr/>
+        <p:nvPr/>
+      </p:nvGrpSpPr>
+      <p:grpSpPr>
+        <a:xfrm>
+          <a:off x="0" y="0"/>
+          <a:ext cx="0" cy="0"/>
+          <a:chOff x="0" y="0"/>
+          <a:chExt cx="0" cy="0"/>
+        </a:xfrm>
+      </p:grpSpPr>
+      <p:pic>
+        <p:nvPicPr>
           <p:cNvPr id="6" name="Grafik 5">
             <a:extLst>
               <a:ext uri="{FF2B5EF4-FFF2-40B4-BE49-F238E27FC236}">
@@ -7035,7 +7209,7 @@
 </p:sld>
 </file>
 
-<file path=ppt/slides/slide15.xml><?xml version="1.0" encoding="utf-8"?>
+<file path=ppt/slides/slide16.xml><?xml version="1.0" encoding="utf-8"?>
 <p:sld xmlns:a="http://schemas.openxmlformats.org/drawingml/2006/main" xmlns:r="http://schemas.openxmlformats.org/officeDocument/2006/relationships" xmlns:p="http://schemas.openxmlformats.org/presentationml/2006/main">
   <p:cSld>
     <p:spTree>
@@ -7106,75 +7280,6 @@
 </p:sld>
 </file>
 
-<file path=ppt/slides/slide16.xml><?xml version="1.0" encoding="utf-8"?>
-<p:sld xmlns:a="http://schemas.openxmlformats.org/drawingml/2006/main" xmlns:r="http://schemas.openxmlformats.org/officeDocument/2006/relationships" xmlns:p="http://schemas.openxmlformats.org/presentationml/2006/main">
-  <p:cSld>
-    <p:spTree>
-      <p:nvGrpSpPr>
-        <p:cNvPr id="1" name=""/>
-        <p:cNvGrpSpPr/>
-        <p:nvPr/>
-      </p:nvGrpSpPr>
-      <p:grpSpPr>
-        <a:xfrm>
-          <a:off x="0" y="0"/>
-          <a:ext cx="0" cy="0"/>
-          <a:chOff x="0" y="0"/>
-          <a:chExt cx="0" cy="0"/>
-        </a:xfrm>
-      </p:grpSpPr>
-      <p:sp>
-        <p:nvSpPr>
-          <p:cNvPr id="3" name="Inhaltsplatzhalter 2">
-            <a:extLst>
-              <a:ext uri="{FF2B5EF4-FFF2-40B4-BE49-F238E27FC236}">
-                <a16:creationId xmlns:a16="http://schemas.microsoft.com/office/drawing/2014/main" id="{904DF65B-2BE6-4F39-8799-AB9810C82E7B}"/>
-              </a:ext>
-            </a:extLst>
-          </p:cNvPr>
-          <p:cNvSpPr>
-            <a:spLocks noGrp="1"/>
-          </p:cNvSpPr>
-          <p:nvPr>
-            <p:ph idx="1"/>
-          </p:nvPr>
-        </p:nvSpPr>
-        <p:spPr/>
-        <p:txBody>
-          <a:bodyPr/>
-          <a:lstStyle/>
-          <a:p>
-            <a:pPr marL="0" indent="0">
-              <a:buNone/>
-            </a:pPr>
-            <a:r>
-              <a:rPr lang="de-DE" dirty="0"/>
-              <a:t>Startfenster </a:t>
-            </a:r>
-            <a:r>
-              <a:rPr lang="de-DE" dirty="0" err="1"/>
-              <a:t>Multikonf</a:t>
-            </a:r>
-            <a:r>
-              <a:rPr lang="de-DE" dirty="0"/>
-              <a:t> läuft</a:t>
-            </a:r>
-          </a:p>
-        </p:txBody>
-      </p:sp>
-    </p:spTree>
-    <p:extLst>
-      <p:ext uri="{BB962C8B-B14F-4D97-AF65-F5344CB8AC3E}">
-        <p14:creationId xmlns:p14="http://schemas.microsoft.com/office/powerpoint/2010/main" val="1834301373"/>
-      </p:ext>
-    </p:extLst>
-  </p:cSld>
-  <p:clrMapOvr>
-    <a:masterClrMapping/>
-  </p:clrMapOvr>
-</p:sld>
-</file>
-
 <file path=ppt/slides/slide17.xml><?xml version="1.0" encoding="utf-8"?>
 <p:sld xmlns:a="http://schemas.openxmlformats.org/drawingml/2006/main" xmlns:r="http://schemas.openxmlformats.org/officeDocument/2006/relationships" xmlns:p="http://schemas.openxmlformats.org/presentationml/2006/main">
   <p:cSld>
@@ -7194,10 +7299,76 @@
       </p:grpSpPr>
       <p:pic>
         <p:nvPicPr>
-          <p:cNvPr id="5" name="Grafik 4">
+          <p:cNvPr id="6" name="Grafik 5">
             <a:extLst>
               <a:ext uri="{FF2B5EF4-FFF2-40B4-BE49-F238E27FC236}">
-                <a16:creationId xmlns:a16="http://schemas.microsoft.com/office/drawing/2014/main" id="{F5D633D7-65ED-41EE-8217-BD9DA9C9C7D7}"/>
+                <a16:creationId xmlns:a16="http://schemas.microsoft.com/office/drawing/2014/main" id="{0DC0BB68-0DD7-4EE5-B0C5-2E8A305B5C64}"/>
+              </a:ext>
+            </a:extLst>
+          </p:cNvPr>
+          <p:cNvPicPr>
+            <a:picLocks noChangeAspect="1"/>
+          </p:cNvPicPr>
+          <p:nvPr/>
+        </p:nvPicPr>
+        <p:blipFill>
+          <a:blip r:embed="rId2">
+            <a:extLst>
+              <a:ext uri="{28A0092B-C50C-407E-A947-70E740481C1C}">
+                <a14:useLocalDpi xmlns:a14="http://schemas.microsoft.com/office/drawing/2010/main" val="0"/>
+              </a:ext>
+            </a:extLst>
+          </a:blip>
+          <a:stretch>
+            <a:fillRect/>
+          </a:stretch>
+        </p:blipFill>
+        <p:spPr>
+          <a:xfrm>
+            <a:off x="1776000" y="352110"/>
+            <a:ext cx="8640000" cy="6153780"/>
+          </a:xfrm>
+          <a:prstGeom prst="rect">
+            <a:avLst/>
+          </a:prstGeom>
+        </p:spPr>
+      </p:pic>
+    </p:spTree>
+    <p:extLst>
+      <p:ext uri="{BB962C8B-B14F-4D97-AF65-F5344CB8AC3E}">
+        <p14:creationId xmlns:p14="http://schemas.microsoft.com/office/powerpoint/2010/main" val="1834301373"/>
+      </p:ext>
+    </p:extLst>
+  </p:cSld>
+  <p:clrMapOvr>
+    <a:masterClrMapping/>
+  </p:clrMapOvr>
+</p:sld>
+</file>
+
+<file path=ppt/slides/slide18.xml><?xml version="1.0" encoding="utf-8"?>
+<p:sld xmlns:a="http://schemas.openxmlformats.org/drawingml/2006/main" xmlns:r="http://schemas.openxmlformats.org/officeDocument/2006/relationships" xmlns:p="http://schemas.openxmlformats.org/presentationml/2006/main">
+  <p:cSld>
+    <p:spTree>
+      <p:nvGrpSpPr>
+        <p:cNvPr id="1" name=""/>
+        <p:cNvGrpSpPr/>
+        <p:nvPr/>
+      </p:nvGrpSpPr>
+      <p:grpSpPr>
+        <a:xfrm>
+          <a:off x="0" y="0"/>
+          <a:ext cx="0" cy="0"/>
+          <a:chOff x="0" y="0"/>
+          <a:chExt cx="0" cy="0"/>
+        </a:xfrm>
+      </p:grpSpPr>
+      <p:pic>
+        <p:nvPicPr>
+          <p:cNvPr id="3" name="Grafik 2">
+            <a:extLst>
+              <a:ext uri="{FF2B5EF4-FFF2-40B4-BE49-F238E27FC236}">
+                <a16:creationId xmlns:a16="http://schemas.microsoft.com/office/drawing/2014/main" id="{AE3BD71C-67B9-4E92-B69C-2421458E4079}"/>
               </a:ext>
             </a:extLst>
           </p:cNvPr>
@@ -7241,7 +7412,7 @@
 </p:sld>
 </file>
 
-<file path=ppt/slides/slide18.xml><?xml version="1.0" encoding="utf-8"?>
+<file path=ppt/slides/slide19.xml><?xml version="1.0" encoding="utf-8"?>
 <p:sld xmlns:a="http://schemas.openxmlformats.org/drawingml/2006/main" xmlns:r="http://schemas.openxmlformats.org/officeDocument/2006/relationships" xmlns:p="http://schemas.openxmlformats.org/presentationml/2006/main">
   <p:cSld>
     <p:spTree>
@@ -7298,72 +7469,6 @@
     <p:extLst>
       <p:ext uri="{BB962C8B-B14F-4D97-AF65-F5344CB8AC3E}">
         <p14:creationId xmlns:p14="http://schemas.microsoft.com/office/powerpoint/2010/main" val="1796329726"/>
-      </p:ext>
-    </p:extLst>
-  </p:cSld>
-  <p:clrMapOvr>
-    <a:masterClrMapping/>
-  </p:clrMapOvr>
-</p:sld>
-</file>
-
-<file path=ppt/slides/slide19.xml><?xml version="1.0" encoding="utf-8"?>
-<p:sld xmlns:a="http://schemas.openxmlformats.org/drawingml/2006/main" xmlns:r="http://schemas.openxmlformats.org/officeDocument/2006/relationships" xmlns:p="http://schemas.openxmlformats.org/presentationml/2006/main">
-  <p:cSld>
-    <p:spTree>
-      <p:nvGrpSpPr>
-        <p:cNvPr id="1" name=""/>
-        <p:cNvGrpSpPr/>
-        <p:nvPr/>
-      </p:nvGrpSpPr>
-      <p:grpSpPr>
-        <a:xfrm>
-          <a:off x="0" y="0"/>
-          <a:ext cx="0" cy="0"/>
-          <a:chOff x="0" y="0"/>
-          <a:chExt cx="0" cy="0"/>
-        </a:xfrm>
-      </p:grpSpPr>
-      <p:pic>
-        <p:nvPicPr>
-          <p:cNvPr id="3" name="Grafik 2">
-            <a:extLst>
-              <a:ext uri="{FF2B5EF4-FFF2-40B4-BE49-F238E27FC236}">
-                <a16:creationId xmlns:a16="http://schemas.microsoft.com/office/drawing/2014/main" id="{2CA12FFE-D9CB-4945-AA3A-D1CFE41FA836}"/>
-              </a:ext>
-            </a:extLst>
-          </p:cNvPr>
-          <p:cNvPicPr>
-            <a:picLocks noChangeAspect="1"/>
-          </p:cNvPicPr>
-          <p:nvPr/>
-        </p:nvPicPr>
-        <p:blipFill>
-          <a:blip r:embed="rId2">
-            <a:extLst>
-              <a:ext uri="{28A0092B-C50C-407E-A947-70E740481C1C}">
-                <a14:useLocalDpi xmlns:a14="http://schemas.microsoft.com/office/drawing/2010/main" val="0"/>
-              </a:ext>
-            </a:extLst>
-          </a:blip>
-          <a:stretch>
-            <a:fillRect/>
-          </a:stretch>
-        </p:blipFill>
-        <p:spPr>
-          <a:xfrm>
-            <a:off x="1776000" y="619819"/>
-            <a:ext cx="8640000" cy="5618361"/>
-          </a:xfrm>
-          <a:prstGeom prst="rect">
-            <a:avLst/>
-          </a:prstGeom>
-        </p:spPr>
-      </p:pic>
-    </p:spTree>
-    <p:extLst>
-      <p:ext uri="{BB962C8B-B14F-4D97-AF65-F5344CB8AC3E}">
-        <p14:creationId xmlns:p14="http://schemas.microsoft.com/office/powerpoint/2010/main" val="4093659205"/>
       </p:ext>
     </p:extLst>
   </p:cSld>
@@ -8063,6 +8168,72 @@
       <p:bldP spid="15" grpId="0"/>
     </p:bldLst>
   </p:timing>
+</p:sld>
+</file>
+
+<file path=ppt/slides/slide20.xml><?xml version="1.0" encoding="utf-8"?>
+<p:sld xmlns:a="http://schemas.openxmlformats.org/drawingml/2006/main" xmlns:r="http://schemas.openxmlformats.org/officeDocument/2006/relationships" xmlns:p="http://schemas.openxmlformats.org/presentationml/2006/main">
+  <p:cSld>
+    <p:spTree>
+      <p:nvGrpSpPr>
+        <p:cNvPr id="1" name=""/>
+        <p:cNvGrpSpPr/>
+        <p:nvPr/>
+      </p:nvGrpSpPr>
+      <p:grpSpPr>
+        <a:xfrm>
+          <a:off x="0" y="0"/>
+          <a:ext cx="0" cy="0"/>
+          <a:chOff x="0" y="0"/>
+          <a:chExt cx="0" cy="0"/>
+        </a:xfrm>
+      </p:grpSpPr>
+      <p:pic>
+        <p:nvPicPr>
+          <p:cNvPr id="3" name="Grafik 2">
+            <a:extLst>
+              <a:ext uri="{FF2B5EF4-FFF2-40B4-BE49-F238E27FC236}">
+                <a16:creationId xmlns:a16="http://schemas.microsoft.com/office/drawing/2014/main" id="{2CA12FFE-D9CB-4945-AA3A-D1CFE41FA836}"/>
+              </a:ext>
+            </a:extLst>
+          </p:cNvPr>
+          <p:cNvPicPr>
+            <a:picLocks noChangeAspect="1"/>
+          </p:cNvPicPr>
+          <p:nvPr/>
+        </p:nvPicPr>
+        <p:blipFill>
+          <a:blip r:embed="rId2">
+            <a:extLst>
+              <a:ext uri="{28A0092B-C50C-407E-A947-70E740481C1C}">
+                <a14:useLocalDpi xmlns:a14="http://schemas.microsoft.com/office/drawing/2010/main" val="0"/>
+              </a:ext>
+            </a:extLst>
+          </a:blip>
+          <a:stretch>
+            <a:fillRect/>
+          </a:stretch>
+        </p:blipFill>
+        <p:spPr>
+          <a:xfrm>
+            <a:off x="1776000" y="619819"/>
+            <a:ext cx="8640000" cy="5618361"/>
+          </a:xfrm>
+          <a:prstGeom prst="rect">
+            <a:avLst/>
+          </a:prstGeom>
+        </p:spPr>
+      </p:pic>
+    </p:spTree>
+    <p:extLst>
+      <p:ext uri="{BB962C8B-B14F-4D97-AF65-F5344CB8AC3E}">
+        <p14:creationId xmlns:p14="http://schemas.microsoft.com/office/powerpoint/2010/main" val="4093659205"/>
+      </p:ext>
+    </p:extLst>
+  </p:cSld>
+  <p:clrMapOvr>
+    <a:masterClrMapping/>
+  </p:clrMapOvr>
 </p:sld>
 </file>
 
@@ -20777,10 +20948,40 @@
           </a:prstGeom>
         </p:spPr>
       </p:pic>
+      <p:pic>
+        <p:nvPicPr>
+          <p:cNvPr id="6" name="Grafik 5">
+            <a:extLst>
+              <a:ext uri="{FF2B5EF4-FFF2-40B4-BE49-F238E27FC236}">
+                <a16:creationId xmlns:a16="http://schemas.microsoft.com/office/drawing/2014/main" id="{4E691518-4161-4949-81A7-26DA72A7CB36}"/>
+              </a:ext>
+            </a:extLst>
+          </p:cNvPr>
+          <p:cNvPicPr>
+            <a:picLocks noChangeAspect="1"/>
+          </p:cNvPicPr>
+          <p:nvPr/>
+        </p:nvPicPr>
+        <p:blipFill>
+          <a:blip r:embed="rId4"/>
+          <a:stretch>
+            <a:fillRect/>
+          </a:stretch>
+        </p:blipFill>
+        <p:spPr>
+          <a:xfrm>
+            <a:off x="2070143" y="709292"/>
+            <a:ext cx="2025607" cy="376440"/>
+          </a:xfrm>
+          <a:prstGeom prst="rect">
+            <a:avLst/>
+          </a:prstGeom>
+        </p:spPr>
+      </p:pic>
     </p:spTree>
     <p:extLst>
       <p:ext uri="{BB962C8B-B14F-4D97-AF65-F5344CB8AC3E}">
-        <p14:creationId xmlns:p14="http://schemas.microsoft.com/office/powerpoint/2010/main" val="4052512301"/>
+        <p14:creationId xmlns:p14="http://schemas.microsoft.com/office/powerpoint/2010/main" val="3022223353"/>
       </p:ext>
     </p:extLst>
   </p:cSld>

--- a/Dokumente/pflichtenheft/Vortrag/präsentation.pptx
+++ b/Dokumente/pflichtenheft/Vortrag/präsentation.pptx
@@ -5,26 +5,27 @@
     <p:sldMasterId id="2147483648" r:id="rId1"/>
   </p:sldMasterIdLst>
   <p:sldIdLst>
-    <p:sldId id="272" r:id="rId2"/>
-    <p:sldId id="273" r:id="rId3"/>
-    <p:sldId id="266" r:id="rId4"/>
-    <p:sldId id="274" r:id="rId5"/>
-    <p:sldId id="260" r:id="rId6"/>
-    <p:sldId id="264" r:id="rId7"/>
-    <p:sldId id="268" r:id="rId8"/>
-    <p:sldId id="285" r:id="rId9"/>
-    <p:sldId id="270" r:id="rId10"/>
-    <p:sldId id="275" r:id="rId11"/>
-    <p:sldId id="276" r:id="rId12"/>
-    <p:sldId id="277" r:id="rId13"/>
-    <p:sldId id="278" r:id="rId14"/>
-    <p:sldId id="269" r:id="rId15"/>
-    <p:sldId id="284" r:id="rId16"/>
-    <p:sldId id="279" r:id="rId17"/>
-    <p:sldId id="283" r:id="rId18"/>
-    <p:sldId id="280" r:id="rId19"/>
-    <p:sldId id="281" r:id="rId20"/>
-    <p:sldId id="282" r:id="rId21"/>
+    <p:sldId id="286" r:id="rId2"/>
+    <p:sldId id="272" r:id="rId3"/>
+    <p:sldId id="273" r:id="rId4"/>
+    <p:sldId id="266" r:id="rId5"/>
+    <p:sldId id="274" r:id="rId6"/>
+    <p:sldId id="260" r:id="rId7"/>
+    <p:sldId id="264" r:id="rId8"/>
+    <p:sldId id="268" r:id="rId9"/>
+    <p:sldId id="285" r:id="rId10"/>
+    <p:sldId id="270" r:id="rId11"/>
+    <p:sldId id="275" r:id="rId12"/>
+    <p:sldId id="276" r:id="rId13"/>
+    <p:sldId id="277" r:id="rId14"/>
+    <p:sldId id="278" r:id="rId15"/>
+    <p:sldId id="269" r:id="rId16"/>
+    <p:sldId id="284" r:id="rId17"/>
+    <p:sldId id="279" r:id="rId18"/>
+    <p:sldId id="283" r:id="rId19"/>
+    <p:sldId id="280" r:id="rId20"/>
+    <p:sldId id="281" r:id="rId21"/>
+    <p:sldId id="282" r:id="rId22"/>
   </p:sldIdLst>
   <p:sldSz cx="12192000" cy="6858000"/>
   <p:notesSz cx="6858000" cy="9144000"/>
@@ -5883,6 +5884,1062 @@
           <a:chExt cx="0" cy="0"/>
         </a:xfrm>
       </p:grpSpPr>
+      <p:sp>
+        <p:nvSpPr>
+          <p:cNvPr id="2" name="Titel 1">
+            <a:extLst>
+              <a:ext uri="{FF2B5EF4-FFF2-40B4-BE49-F238E27FC236}">
+                <a16:creationId xmlns:a16="http://schemas.microsoft.com/office/drawing/2014/main" id="{E3D1740B-2DB8-4156-8803-8313F34E2451}"/>
+              </a:ext>
+            </a:extLst>
+          </p:cNvPr>
+          <p:cNvSpPr>
+            <a:spLocks noGrp="1"/>
+          </p:cNvSpPr>
+          <p:nvPr>
+            <p:ph type="ctrTitle"/>
+          </p:nvPr>
+        </p:nvSpPr>
+        <p:spPr/>
+        <p:txBody>
+          <a:bodyPr/>
+          <a:lstStyle/>
+          <a:p>
+            <a:r>
+              <a:rPr lang="de-DE" dirty="0"/>
+              <a:t>Ein Simulator für wiederholte Spiele</a:t>
+            </a:r>
+          </a:p>
+        </p:txBody>
+      </p:sp>
+      <p:sp>
+        <p:nvSpPr>
+          <p:cNvPr id="3" name="Untertitel 2">
+            <a:extLst>
+              <a:ext uri="{FF2B5EF4-FFF2-40B4-BE49-F238E27FC236}">
+                <a16:creationId xmlns:a16="http://schemas.microsoft.com/office/drawing/2014/main" id="{A7FB480E-87E6-4E37-B7C7-D06F92FFAB43}"/>
+              </a:ext>
+            </a:extLst>
+          </p:cNvPr>
+          <p:cNvSpPr>
+            <a:spLocks noGrp="1"/>
+          </p:cNvSpPr>
+          <p:nvPr>
+            <p:ph type="subTitle" idx="1"/>
+          </p:nvPr>
+        </p:nvSpPr>
+        <p:spPr/>
+        <p:txBody>
+          <a:bodyPr/>
+          <a:lstStyle/>
+          <a:p>
+            <a:r>
+              <a:rPr lang="de-DE" dirty="0"/>
+              <a:t>von Sebastian </a:t>
+            </a:r>
+            <a:r>
+              <a:rPr lang="de-DE" dirty="0" err="1"/>
+              <a:t>Feurer</a:t>
+            </a:r>
+            <a:r>
+              <a:rPr lang="de-DE" dirty="0"/>
+              <a:t>, Peter Koepernik,</a:t>
+            </a:r>
+          </a:p>
+          <a:p>
+            <a:r>
+              <a:rPr lang="de-DE" dirty="0"/>
+              <a:t>Luc </a:t>
+            </a:r>
+            <a:r>
+              <a:rPr lang="de-DE" dirty="0" err="1"/>
+              <a:t>Mercatoris</a:t>
+            </a:r>
+            <a:r>
+              <a:rPr lang="de-DE" dirty="0"/>
+              <a:t>, Christian </a:t>
+            </a:r>
+            <a:r>
+              <a:rPr lang="de-DE" dirty="0" err="1"/>
+              <a:t>Schorr</a:t>
+            </a:r>
+            <a:r>
+              <a:rPr lang="de-DE" dirty="0"/>
+              <a:t> und Pierre </a:t>
+            </a:r>
+            <a:r>
+              <a:rPr lang="de-DE" dirty="0" err="1"/>
+              <a:t>Toussing</a:t>
+            </a:r>
+            <a:endParaRPr lang="de-DE" dirty="0"/>
+          </a:p>
+          <a:p>
+            <a:endParaRPr lang="de-DE" dirty="0"/>
+          </a:p>
+        </p:txBody>
+      </p:sp>
+    </p:spTree>
+    <p:extLst>
+      <p:ext uri="{BB962C8B-B14F-4D97-AF65-F5344CB8AC3E}">
+        <p14:creationId xmlns:p14="http://schemas.microsoft.com/office/powerpoint/2010/main" val="1942088365"/>
+      </p:ext>
+    </p:extLst>
+  </p:cSld>
+  <p:clrMapOvr>
+    <a:masterClrMapping/>
+  </p:clrMapOvr>
+</p:sld>
+</file>
+
+<file path=ppt/slides/slide10.xml><?xml version="1.0" encoding="utf-8"?>
+<p:sld xmlns:a="http://schemas.openxmlformats.org/drawingml/2006/main" xmlns:r="http://schemas.openxmlformats.org/officeDocument/2006/relationships" xmlns:p="http://schemas.openxmlformats.org/presentationml/2006/main">
+  <p:cSld>
+    <p:spTree>
+      <p:nvGrpSpPr>
+        <p:cNvPr id="1" name=""/>
+        <p:cNvGrpSpPr/>
+        <p:nvPr/>
+      </p:nvGrpSpPr>
+      <p:grpSpPr>
+        <a:xfrm>
+          <a:off x="0" y="0"/>
+          <a:ext cx="0" cy="0"/>
+          <a:chOff x="0" y="0"/>
+          <a:chExt cx="0" cy="0"/>
+        </a:xfrm>
+      </p:grpSpPr>
+      <p:pic>
+        <p:nvPicPr>
+          <p:cNvPr id="6" name="Inhaltsplatzhalter 5">
+            <a:extLst>
+              <a:ext uri="{FF2B5EF4-FFF2-40B4-BE49-F238E27FC236}">
+                <a16:creationId xmlns:a16="http://schemas.microsoft.com/office/drawing/2014/main" id="{351667C9-D245-4715-B807-FBFE58A99275}"/>
+              </a:ext>
+            </a:extLst>
+          </p:cNvPr>
+          <p:cNvPicPr>
+            <a:picLocks noGrp="1" noChangeAspect="1"/>
+          </p:cNvPicPr>
+          <p:nvPr>
+            <p:ph idx="1"/>
+          </p:nvPr>
+        </p:nvPicPr>
+        <p:blipFill>
+          <a:blip r:embed="rId2">
+            <a:extLst>
+              <a:ext uri="{28A0092B-C50C-407E-A947-70E740481C1C}">
+                <a14:useLocalDpi xmlns:a14="http://schemas.microsoft.com/office/drawing/2010/main" val="0"/>
+              </a:ext>
+            </a:extLst>
+          </a:blip>
+          <a:stretch>
+            <a:fillRect/>
+          </a:stretch>
+        </p:blipFill>
+        <p:spPr>
+          <a:xfrm>
+            <a:off x="1776000" y="1778658"/>
+            <a:ext cx="8640000" cy="4510914"/>
+          </a:xfrm>
+          <a:ln>
+            <a:solidFill>
+              <a:schemeClr val="tx1"/>
+            </a:solidFill>
+          </a:ln>
+        </p:spPr>
+      </p:pic>
+      <p:pic>
+        <p:nvPicPr>
+          <p:cNvPr id="5" name="Grafik 4">
+            <a:extLst>
+              <a:ext uri="{FF2B5EF4-FFF2-40B4-BE49-F238E27FC236}">
+                <a16:creationId xmlns:a16="http://schemas.microsoft.com/office/drawing/2014/main" id="{FFAF1358-08BB-4113-861A-E24081C98F29}"/>
+              </a:ext>
+            </a:extLst>
+          </p:cNvPr>
+          <p:cNvPicPr>
+            <a:picLocks noChangeAspect="1"/>
+          </p:cNvPicPr>
+          <p:nvPr/>
+        </p:nvPicPr>
+        <p:blipFill rotWithShape="1">
+          <a:blip r:embed="rId3">
+            <a:extLst>
+              <a:ext uri="{28A0092B-C50C-407E-A947-70E740481C1C}">
+                <a14:useLocalDpi xmlns:a14="http://schemas.microsoft.com/office/drawing/2010/main" val="0"/>
+              </a:ext>
+            </a:extLst>
+          </a:blip>
+          <a:srcRect t="-4" b="75982"/>
+          <a:stretch/>
+        </p:blipFill>
+        <p:spPr>
+          <a:xfrm>
+            <a:off x="1776000" y="361934"/>
+            <a:ext cx="8640000" cy="1044000"/>
+          </a:xfrm>
+          <a:prstGeom prst="rect">
+            <a:avLst/>
+          </a:prstGeom>
+        </p:spPr>
+      </p:pic>
+    </p:spTree>
+    <p:extLst>
+      <p:ext uri="{BB962C8B-B14F-4D97-AF65-F5344CB8AC3E}">
+        <p14:creationId xmlns:p14="http://schemas.microsoft.com/office/powerpoint/2010/main" val="3797189921"/>
+      </p:ext>
+    </p:extLst>
+  </p:cSld>
+  <p:clrMapOvr>
+    <a:masterClrMapping/>
+  </p:clrMapOvr>
+  <p:timing>
+    <p:tnLst>
+      <p:par>
+        <p:cTn id="1" dur="indefinite" restart="never" nodeType="tmRoot">
+          <p:childTnLst>
+            <p:seq concurrent="1" nextAc="seek">
+              <p:cTn id="2" dur="indefinite" nodeType="mainSeq">
+                <p:childTnLst>
+                  <p:par>
+                    <p:cTn id="3" fill="hold">
+                      <p:stCondLst>
+                        <p:cond delay="indefinite"/>
+                      </p:stCondLst>
+                      <p:childTnLst>
+                        <p:par>
+                          <p:cTn id="4" fill="hold">
+                            <p:stCondLst>
+                              <p:cond delay="0"/>
+                            </p:stCondLst>
+                            <p:childTnLst>
+                              <p:par>
+                                <p:cTn id="5" presetID="1" presetClass="entr" presetSubtype="0" fill="hold" nodeType="clickEffect">
+                                  <p:stCondLst>
+                                    <p:cond delay="0"/>
+                                  </p:stCondLst>
+                                  <p:childTnLst>
+                                    <p:set>
+                                      <p:cBhvr>
+                                        <p:cTn id="6" dur="1" fill="hold">
+                                          <p:stCondLst>
+                                            <p:cond delay="0"/>
+                                          </p:stCondLst>
+                                        </p:cTn>
+                                        <p:tgtEl>
+                                          <p:spTgt spid="5"/>
+                                        </p:tgtEl>
+                                        <p:attrNameLst>
+                                          <p:attrName>style.visibility</p:attrName>
+                                        </p:attrNameLst>
+                                      </p:cBhvr>
+                                      <p:to>
+                                        <p:strVal val="visible"/>
+                                      </p:to>
+                                    </p:set>
+                                  </p:childTnLst>
+                                </p:cTn>
+                              </p:par>
+                            </p:childTnLst>
+                          </p:cTn>
+                        </p:par>
+                      </p:childTnLst>
+                    </p:cTn>
+                  </p:par>
+                </p:childTnLst>
+              </p:cTn>
+              <p:prevCondLst>
+                <p:cond evt="onPrev" delay="0">
+                  <p:tgtEl>
+                    <p:sldTgt/>
+                  </p:tgtEl>
+                </p:cond>
+              </p:prevCondLst>
+              <p:nextCondLst>
+                <p:cond evt="onNext" delay="0">
+                  <p:tgtEl>
+                    <p:sldTgt/>
+                  </p:tgtEl>
+                </p:cond>
+              </p:nextCondLst>
+            </p:seq>
+          </p:childTnLst>
+        </p:cTn>
+      </p:par>
+    </p:tnLst>
+  </p:timing>
+</p:sld>
+</file>
+
+<file path=ppt/slides/slide11.xml><?xml version="1.0" encoding="utf-8"?>
+<p:sld xmlns:a="http://schemas.openxmlformats.org/drawingml/2006/main" xmlns:r="http://schemas.openxmlformats.org/officeDocument/2006/relationships" xmlns:p="http://schemas.openxmlformats.org/presentationml/2006/main">
+  <p:cSld>
+    <p:spTree>
+      <p:nvGrpSpPr>
+        <p:cNvPr id="1" name=""/>
+        <p:cNvGrpSpPr/>
+        <p:nvPr/>
+      </p:nvGrpSpPr>
+      <p:grpSpPr>
+        <a:xfrm>
+          <a:off x="0" y="0"/>
+          <a:ext cx="0" cy="0"/>
+          <a:chOff x="0" y="0"/>
+          <a:chExt cx="0" cy="0"/>
+        </a:xfrm>
+      </p:grpSpPr>
+      <p:pic>
+        <p:nvPicPr>
+          <p:cNvPr id="3" name="Grafik 2">
+            <a:extLst>
+              <a:ext uri="{FF2B5EF4-FFF2-40B4-BE49-F238E27FC236}">
+                <a16:creationId xmlns:a16="http://schemas.microsoft.com/office/drawing/2014/main" id="{9147AE84-07B8-40B0-8BFD-C107D2F3B6FC}"/>
+              </a:ext>
+            </a:extLst>
+          </p:cNvPr>
+          <p:cNvPicPr>
+            <a:picLocks noChangeAspect="1"/>
+          </p:cNvPicPr>
+          <p:nvPr/>
+        </p:nvPicPr>
+        <p:blipFill>
+          <a:blip r:embed="rId2">
+            <a:extLst>
+              <a:ext uri="{28A0092B-C50C-407E-A947-70E740481C1C}">
+                <a14:useLocalDpi xmlns:a14="http://schemas.microsoft.com/office/drawing/2010/main" val="0"/>
+              </a:ext>
+            </a:extLst>
+          </a:blip>
+          <a:stretch>
+            <a:fillRect/>
+          </a:stretch>
+        </p:blipFill>
+        <p:spPr>
+          <a:xfrm>
+            <a:off x="1776000" y="387565"/>
+            <a:ext cx="8640000" cy="6082870"/>
+          </a:xfrm>
+          <a:prstGeom prst="rect">
+            <a:avLst/>
+          </a:prstGeom>
+        </p:spPr>
+      </p:pic>
+    </p:spTree>
+    <p:extLst>
+      <p:ext uri="{BB962C8B-B14F-4D97-AF65-F5344CB8AC3E}">
+        <p14:creationId xmlns:p14="http://schemas.microsoft.com/office/powerpoint/2010/main" val="499438565"/>
+      </p:ext>
+    </p:extLst>
+  </p:cSld>
+  <p:clrMapOvr>
+    <a:masterClrMapping/>
+  </p:clrMapOvr>
+</p:sld>
+</file>
+
+<file path=ppt/slides/slide12.xml><?xml version="1.0" encoding="utf-8"?>
+<p:sld xmlns:a="http://schemas.openxmlformats.org/drawingml/2006/main" xmlns:r="http://schemas.openxmlformats.org/officeDocument/2006/relationships" xmlns:p="http://schemas.openxmlformats.org/presentationml/2006/main">
+  <p:cSld>
+    <p:spTree>
+      <p:nvGrpSpPr>
+        <p:cNvPr id="1" name=""/>
+        <p:cNvGrpSpPr/>
+        <p:nvPr/>
+      </p:nvGrpSpPr>
+      <p:grpSpPr>
+        <a:xfrm>
+          <a:off x="0" y="0"/>
+          <a:ext cx="0" cy="0"/>
+          <a:chOff x="0" y="0"/>
+          <a:chExt cx="0" cy="0"/>
+        </a:xfrm>
+      </p:grpSpPr>
+      <p:pic>
+        <p:nvPicPr>
+          <p:cNvPr id="3" name="Grafik 2">
+            <a:extLst>
+              <a:ext uri="{FF2B5EF4-FFF2-40B4-BE49-F238E27FC236}">
+                <a16:creationId xmlns:a16="http://schemas.microsoft.com/office/drawing/2014/main" id="{EF3C58F9-EA0C-46BD-BFC0-AED09BA5BD49}"/>
+              </a:ext>
+            </a:extLst>
+          </p:cNvPr>
+          <p:cNvPicPr>
+            <a:picLocks noChangeAspect="1"/>
+          </p:cNvPicPr>
+          <p:nvPr/>
+        </p:nvPicPr>
+        <p:blipFill>
+          <a:blip r:embed="rId2">
+            <a:extLst>
+              <a:ext uri="{28A0092B-C50C-407E-A947-70E740481C1C}">
+                <a14:useLocalDpi xmlns:a14="http://schemas.microsoft.com/office/drawing/2010/main" val="0"/>
+              </a:ext>
+            </a:extLst>
+          </a:blip>
+          <a:stretch>
+            <a:fillRect/>
+          </a:stretch>
+        </p:blipFill>
+        <p:spPr>
+          <a:xfrm>
+            <a:off x="1776000" y="342170"/>
+            <a:ext cx="8640000" cy="6173659"/>
+          </a:xfrm>
+          <a:prstGeom prst="rect">
+            <a:avLst/>
+          </a:prstGeom>
+        </p:spPr>
+      </p:pic>
+    </p:spTree>
+    <p:extLst>
+      <p:ext uri="{BB962C8B-B14F-4D97-AF65-F5344CB8AC3E}">
+        <p14:creationId xmlns:p14="http://schemas.microsoft.com/office/powerpoint/2010/main" val="415512355"/>
+      </p:ext>
+    </p:extLst>
+  </p:cSld>
+  <p:clrMapOvr>
+    <a:masterClrMapping/>
+  </p:clrMapOvr>
+</p:sld>
+</file>
+
+<file path=ppt/slides/slide13.xml><?xml version="1.0" encoding="utf-8"?>
+<p:sld xmlns:a="http://schemas.openxmlformats.org/drawingml/2006/main" xmlns:r="http://schemas.openxmlformats.org/officeDocument/2006/relationships" xmlns:p="http://schemas.openxmlformats.org/presentationml/2006/main">
+  <p:cSld>
+    <p:spTree>
+      <p:nvGrpSpPr>
+        <p:cNvPr id="1" name=""/>
+        <p:cNvGrpSpPr/>
+        <p:nvPr/>
+      </p:nvGrpSpPr>
+      <p:grpSpPr>
+        <a:xfrm>
+          <a:off x="0" y="0"/>
+          <a:ext cx="0" cy="0"/>
+          <a:chOff x="0" y="0"/>
+          <a:chExt cx="0" cy="0"/>
+        </a:xfrm>
+      </p:grpSpPr>
+      <p:pic>
+        <p:nvPicPr>
+          <p:cNvPr id="5" name="Grafik 4">
+            <a:extLst>
+              <a:ext uri="{FF2B5EF4-FFF2-40B4-BE49-F238E27FC236}">
+                <a16:creationId xmlns:a16="http://schemas.microsoft.com/office/drawing/2014/main" id="{BC0C2DA1-F6BE-47E7-A8FC-A1A9608C6E0F}"/>
+              </a:ext>
+            </a:extLst>
+          </p:cNvPr>
+          <p:cNvPicPr>
+            <a:picLocks noChangeAspect="1"/>
+          </p:cNvPicPr>
+          <p:nvPr/>
+        </p:nvPicPr>
+        <p:blipFill>
+          <a:blip r:embed="rId2">
+            <a:extLst>
+              <a:ext uri="{28A0092B-C50C-407E-A947-70E740481C1C}">
+                <a14:useLocalDpi xmlns:a14="http://schemas.microsoft.com/office/drawing/2010/main" val="0"/>
+              </a:ext>
+            </a:extLst>
+          </a:blip>
+          <a:stretch>
+            <a:fillRect/>
+          </a:stretch>
+        </p:blipFill>
+        <p:spPr>
+          <a:xfrm>
+            <a:off x="2614126" y="1171260"/>
+            <a:ext cx="6963747" cy="4515480"/>
+          </a:xfrm>
+          <a:prstGeom prst="rect">
+            <a:avLst/>
+          </a:prstGeom>
+        </p:spPr>
+      </p:pic>
+    </p:spTree>
+    <p:extLst>
+      <p:ext uri="{BB962C8B-B14F-4D97-AF65-F5344CB8AC3E}">
+        <p14:creationId xmlns:p14="http://schemas.microsoft.com/office/powerpoint/2010/main" val="1652636961"/>
+      </p:ext>
+    </p:extLst>
+  </p:cSld>
+  <p:clrMapOvr>
+    <a:masterClrMapping/>
+  </p:clrMapOvr>
+</p:sld>
+</file>
+
+<file path=ppt/slides/slide14.xml><?xml version="1.0" encoding="utf-8"?>
+<p:sld xmlns:a="http://schemas.openxmlformats.org/drawingml/2006/main" xmlns:r="http://schemas.openxmlformats.org/officeDocument/2006/relationships" xmlns:p="http://schemas.openxmlformats.org/presentationml/2006/main">
+  <p:cSld>
+    <p:spTree>
+      <p:nvGrpSpPr>
+        <p:cNvPr id="1" name=""/>
+        <p:cNvGrpSpPr/>
+        <p:nvPr/>
+      </p:nvGrpSpPr>
+      <p:grpSpPr>
+        <a:xfrm>
+          <a:off x="0" y="0"/>
+          <a:ext cx="0" cy="0"/>
+          <a:chOff x="0" y="0"/>
+          <a:chExt cx="0" cy="0"/>
+        </a:xfrm>
+      </p:grpSpPr>
+      <p:pic>
+        <p:nvPicPr>
+          <p:cNvPr id="5" name="Grafik 4">
+            <a:extLst>
+              <a:ext uri="{FF2B5EF4-FFF2-40B4-BE49-F238E27FC236}">
+                <a16:creationId xmlns:a16="http://schemas.microsoft.com/office/drawing/2014/main" id="{A99FAFEC-2F90-4A66-9B8A-B03B1D94B7C6}"/>
+              </a:ext>
+            </a:extLst>
+          </p:cNvPr>
+          <p:cNvPicPr>
+            <a:picLocks noChangeAspect="1"/>
+          </p:cNvPicPr>
+          <p:nvPr/>
+        </p:nvPicPr>
+        <p:blipFill>
+          <a:blip r:embed="rId2">
+            <a:extLst>
+              <a:ext uri="{28A0092B-C50C-407E-A947-70E740481C1C}">
+                <a14:useLocalDpi xmlns:a14="http://schemas.microsoft.com/office/drawing/2010/main" val="0"/>
+              </a:ext>
+            </a:extLst>
+          </a:blip>
+          <a:stretch>
+            <a:fillRect/>
+          </a:stretch>
+        </p:blipFill>
+        <p:spPr>
+          <a:xfrm>
+            <a:off x="1776000" y="1994938"/>
+            <a:ext cx="8640000" cy="2868124"/>
+          </a:xfrm>
+          <a:prstGeom prst="rect">
+            <a:avLst/>
+          </a:prstGeom>
+          <a:ln>
+            <a:solidFill>
+              <a:schemeClr val="tx1"/>
+            </a:solidFill>
+          </a:ln>
+        </p:spPr>
+      </p:pic>
+    </p:spTree>
+    <p:extLst>
+      <p:ext uri="{BB962C8B-B14F-4D97-AF65-F5344CB8AC3E}">
+        <p14:creationId xmlns:p14="http://schemas.microsoft.com/office/powerpoint/2010/main" val="2479228849"/>
+      </p:ext>
+    </p:extLst>
+  </p:cSld>
+  <p:clrMapOvr>
+    <a:masterClrMapping/>
+  </p:clrMapOvr>
+</p:sld>
+</file>
+
+<file path=ppt/slides/slide15.xml><?xml version="1.0" encoding="utf-8"?>
+<p:sld xmlns:a="http://schemas.openxmlformats.org/drawingml/2006/main" xmlns:r="http://schemas.openxmlformats.org/officeDocument/2006/relationships" xmlns:p="http://schemas.openxmlformats.org/presentationml/2006/main">
+  <p:cSld>
+    <p:spTree>
+      <p:nvGrpSpPr>
+        <p:cNvPr id="1" name=""/>
+        <p:cNvGrpSpPr/>
+        <p:nvPr/>
+      </p:nvGrpSpPr>
+      <p:grpSpPr>
+        <a:xfrm>
+          <a:off x="0" y="0"/>
+          <a:ext cx="0" cy="0"/>
+          <a:chOff x="0" y="0"/>
+          <a:chExt cx="0" cy="0"/>
+        </a:xfrm>
+      </p:grpSpPr>
+      <p:pic>
+        <p:nvPicPr>
+          <p:cNvPr id="5" name="Grafik 4">
+            <a:extLst>
+              <a:ext uri="{FF2B5EF4-FFF2-40B4-BE49-F238E27FC236}">
+                <a16:creationId xmlns:a16="http://schemas.microsoft.com/office/drawing/2014/main" id="{5EA9F435-9A6C-48E2-836A-6DC82820CCEE}"/>
+              </a:ext>
+            </a:extLst>
+          </p:cNvPr>
+          <p:cNvPicPr>
+            <a:picLocks noChangeAspect="1"/>
+          </p:cNvPicPr>
+          <p:nvPr/>
+        </p:nvPicPr>
+        <p:blipFill>
+          <a:blip r:embed="rId2">
+            <a:extLst>
+              <a:ext uri="{28A0092B-C50C-407E-A947-70E740481C1C}">
+                <a14:useLocalDpi xmlns:a14="http://schemas.microsoft.com/office/drawing/2010/main" val="0"/>
+              </a:ext>
+            </a:extLst>
+          </a:blip>
+          <a:stretch>
+            <a:fillRect/>
+          </a:stretch>
+        </p:blipFill>
+        <p:spPr>
+          <a:xfrm>
+            <a:off x="1776000" y="680716"/>
+            <a:ext cx="8640000" cy="5496567"/>
+          </a:xfrm>
+          <a:prstGeom prst="rect">
+            <a:avLst/>
+          </a:prstGeom>
+          <a:ln>
+            <a:solidFill>
+              <a:schemeClr val="tx1"/>
+            </a:solidFill>
+          </a:ln>
+        </p:spPr>
+      </p:pic>
+      <p:pic>
+        <p:nvPicPr>
+          <p:cNvPr id="3" name="Grafik 2">
+            <a:extLst>
+              <a:ext uri="{FF2B5EF4-FFF2-40B4-BE49-F238E27FC236}">
+                <a16:creationId xmlns:a16="http://schemas.microsoft.com/office/drawing/2014/main" id="{00F2DE6A-19D8-4D3C-BFD4-E0FC879CD9C5}"/>
+              </a:ext>
+            </a:extLst>
+          </p:cNvPr>
+          <p:cNvPicPr>
+            <a:picLocks noChangeAspect="1"/>
+          </p:cNvPicPr>
+          <p:nvPr/>
+        </p:nvPicPr>
+        <p:blipFill>
+          <a:blip r:embed="rId3">
+            <a:extLst>
+              <a:ext uri="{28A0092B-C50C-407E-A947-70E740481C1C}">
+                <a14:useLocalDpi xmlns:a14="http://schemas.microsoft.com/office/drawing/2010/main" val="0"/>
+              </a:ext>
+            </a:extLst>
+          </a:blip>
+          <a:stretch>
+            <a:fillRect/>
+          </a:stretch>
+        </p:blipFill>
+        <p:spPr>
+          <a:xfrm>
+            <a:off x="2184443" y="1170705"/>
+            <a:ext cx="7400226" cy="2335975"/>
+          </a:xfrm>
+          <a:prstGeom prst="rect">
+            <a:avLst/>
+          </a:prstGeom>
+        </p:spPr>
+      </p:pic>
+      <p:pic>
+        <p:nvPicPr>
+          <p:cNvPr id="2" name="Grafik 1">
+            <a:extLst>
+              <a:ext uri="{FF2B5EF4-FFF2-40B4-BE49-F238E27FC236}">
+                <a16:creationId xmlns:a16="http://schemas.microsoft.com/office/drawing/2014/main" id="{2305FB5A-E960-4782-AB55-E10EDD0F8564}"/>
+              </a:ext>
+            </a:extLst>
+          </p:cNvPr>
+          <p:cNvPicPr>
+            <a:picLocks noChangeAspect="1"/>
+          </p:cNvPicPr>
+          <p:nvPr/>
+        </p:nvPicPr>
+        <p:blipFill>
+          <a:blip r:embed="rId4"/>
+          <a:stretch>
+            <a:fillRect/>
+          </a:stretch>
+        </p:blipFill>
+        <p:spPr>
+          <a:xfrm>
+            <a:off x="2070143" y="709292"/>
+            <a:ext cx="2025607" cy="376440"/>
+          </a:xfrm>
+          <a:prstGeom prst="rect">
+            <a:avLst/>
+          </a:prstGeom>
+        </p:spPr>
+      </p:pic>
+      <p:pic>
+        <p:nvPicPr>
+          <p:cNvPr id="6" name="Grafik 5">
+            <a:extLst>
+              <a:ext uri="{FF2B5EF4-FFF2-40B4-BE49-F238E27FC236}">
+                <a16:creationId xmlns:a16="http://schemas.microsoft.com/office/drawing/2014/main" id="{8C4FCBA9-A933-46CE-8104-811E4AC6F0C0}"/>
+              </a:ext>
+            </a:extLst>
+          </p:cNvPr>
+          <p:cNvPicPr>
+            <a:picLocks noChangeAspect="1"/>
+          </p:cNvPicPr>
+          <p:nvPr/>
+        </p:nvPicPr>
+        <p:blipFill>
+          <a:blip r:embed="rId5">
+            <a:extLst>
+              <a:ext uri="{28A0092B-C50C-407E-A947-70E740481C1C}">
+                <a14:useLocalDpi xmlns:a14="http://schemas.microsoft.com/office/drawing/2010/main" val="0"/>
+              </a:ext>
+            </a:extLst>
+          </a:blip>
+          <a:stretch>
+            <a:fillRect/>
+          </a:stretch>
+        </p:blipFill>
+        <p:spPr>
+          <a:xfrm>
+            <a:off x="2184443" y="3487631"/>
+            <a:ext cx="7340557" cy="2369926"/>
+          </a:xfrm>
+          <a:prstGeom prst="rect">
+            <a:avLst/>
+          </a:prstGeom>
+        </p:spPr>
+      </p:pic>
+    </p:spTree>
+    <p:extLst>
+      <p:ext uri="{BB962C8B-B14F-4D97-AF65-F5344CB8AC3E}">
+        <p14:creationId xmlns:p14="http://schemas.microsoft.com/office/powerpoint/2010/main" val="4052512301"/>
+      </p:ext>
+    </p:extLst>
+  </p:cSld>
+  <p:clrMapOvr>
+    <a:masterClrMapping/>
+  </p:clrMapOvr>
+</p:sld>
+</file>
+
+<file path=ppt/slides/slide16.xml><?xml version="1.0" encoding="utf-8"?>
+<p:sld xmlns:a="http://schemas.openxmlformats.org/drawingml/2006/main" xmlns:r="http://schemas.openxmlformats.org/officeDocument/2006/relationships" xmlns:p="http://schemas.openxmlformats.org/presentationml/2006/main">
+  <p:cSld>
+    <p:spTree>
+      <p:nvGrpSpPr>
+        <p:cNvPr id="1" name=""/>
+        <p:cNvGrpSpPr/>
+        <p:nvPr/>
+      </p:nvGrpSpPr>
+      <p:grpSpPr>
+        <a:xfrm>
+          <a:off x="0" y="0"/>
+          <a:ext cx="0" cy="0"/>
+          <a:chOff x="0" y="0"/>
+          <a:chExt cx="0" cy="0"/>
+        </a:xfrm>
+      </p:grpSpPr>
+      <p:pic>
+        <p:nvPicPr>
+          <p:cNvPr id="6" name="Grafik 5">
+            <a:extLst>
+              <a:ext uri="{FF2B5EF4-FFF2-40B4-BE49-F238E27FC236}">
+                <a16:creationId xmlns:a16="http://schemas.microsoft.com/office/drawing/2014/main" id="{DEF9B89B-7E9E-4400-8C8B-E18D15994F6D}"/>
+              </a:ext>
+            </a:extLst>
+          </p:cNvPr>
+          <p:cNvPicPr>
+            <a:picLocks noChangeAspect="1"/>
+          </p:cNvPicPr>
+          <p:nvPr/>
+        </p:nvPicPr>
+        <p:blipFill>
+          <a:blip r:embed="rId2">
+            <a:extLst>
+              <a:ext uri="{28A0092B-C50C-407E-A947-70E740481C1C}">
+                <a14:useLocalDpi xmlns:a14="http://schemas.microsoft.com/office/drawing/2010/main" val="0"/>
+              </a:ext>
+            </a:extLst>
+          </a:blip>
+          <a:stretch>
+            <a:fillRect/>
+          </a:stretch>
+        </p:blipFill>
+        <p:spPr>
+          <a:xfrm>
+            <a:off x="1776000" y="680716"/>
+            <a:ext cx="8640000" cy="5496567"/>
+          </a:xfrm>
+          <a:prstGeom prst="rect">
+            <a:avLst/>
+          </a:prstGeom>
+          <a:ln>
+            <a:solidFill>
+              <a:schemeClr val="tx1"/>
+            </a:solidFill>
+          </a:ln>
+        </p:spPr>
+      </p:pic>
+      <p:pic>
+        <p:nvPicPr>
+          <p:cNvPr id="7" name="Grafik 6">
+            <a:extLst>
+              <a:ext uri="{FF2B5EF4-FFF2-40B4-BE49-F238E27FC236}">
+                <a16:creationId xmlns:a16="http://schemas.microsoft.com/office/drawing/2014/main" id="{2D6F4A17-A3A0-401D-9146-E3AED47490C7}"/>
+              </a:ext>
+            </a:extLst>
+          </p:cNvPr>
+          <p:cNvPicPr>
+            <a:picLocks noChangeAspect="1"/>
+          </p:cNvPicPr>
+          <p:nvPr/>
+        </p:nvPicPr>
+        <p:blipFill>
+          <a:blip r:embed="rId3">
+            <a:extLst>
+              <a:ext uri="{28A0092B-C50C-407E-A947-70E740481C1C}">
+                <a14:useLocalDpi xmlns:a14="http://schemas.microsoft.com/office/drawing/2010/main" val="0"/>
+              </a:ext>
+            </a:extLst>
+          </a:blip>
+          <a:stretch>
+            <a:fillRect/>
+          </a:stretch>
+        </p:blipFill>
+        <p:spPr>
+          <a:xfrm>
+            <a:off x="2184443" y="1170705"/>
+            <a:ext cx="7400226" cy="2335975"/>
+          </a:xfrm>
+          <a:prstGeom prst="rect">
+            <a:avLst/>
+          </a:prstGeom>
+        </p:spPr>
+      </p:pic>
+    </p:spTree>
+    <p:extLst>
+      <p:ext uri="{BB962C8B-B14F-4D97-AF65-F5344CB8AC3E}">
+        <p14:creationId xmlns:p14="http://schemas.microsoft.com/office/powerpoint/2010/main" val="1447473983"/>
+      </p:ext>
+    </p:extLst>
+  </p:cSld>
+  <p:clrMapOvr>
+    <a:masterClrMapping/>
+  </p:clrMapOvr>
+</p:sld>
+</file>
+
+<file path=ppt/slides/slide17.xml><?xml version="1.0" encoding="utf-8"?>
+<p:sld xmlns:a="http://schemas.openxmlformats.org/drawingml/2006/main" xmlns:r="http://schemas.openxmlformats.org/officeDocument/2006/relationships" xmlns:p="http://schemas.openxmlformats.org/presentationml/2006/main">
+  <p:cSld>
+    <p:spTree>
+      <p:nvGrpSpPr>
+        <p:cNvPr id="1" name=""/>
+        <p:cNvGrpSpPr/>
+        <p:nvPr/>
+      </p:nvGrpSpPr>
+      <p:grpSpPr>
+        <a:xfrm>
+          <a:off x="0" y="0"/>
+          <a:ext cx="0" cy="0"/>
+          <a:chOff x="0" y="0"/>
+          <a:chExt cx="0" cy="0"/>
+        </a:xfrm>
+      </p:grpSpPr>
+      <p:pic>
+        <p:nvPicPr>
+          <p:cNvPr id="6" name="Inhaltsplatzhalter 5">
+            <a:extLst>
+              <a:ext uri="{FF2B5EF4-FFF2-40B4-BE49-F238E27FC236}">
+                <a16:creationId xmlns:a16="http://schemas.microsoft.com/office/drawing/2014/main" id="{8FC8A21B-0325-4926-929C-C5D13E637ED3}"/>
+              </a:ext>
+            </a:extLst>
+          </p:cNvPr>
+          <p:cNvPicPr>
+            <a:picLocks noChangeAspect="1"/>
+          </p:cNvPicPr>
+          <p:nvPr/>
+        </p:nvPicPr>
+        <p:blipFill>
+          <a:blip r:embed="rId2">
+            <a:extLst>
+              <a:ext uri="{28A0092B-C50C-407E-A947-70E740481C1C}">
+                <a14:useLocalDpi xmlns:a14="http://schemas.microsoft.com/office/drawing/2010/main" val="0"/>
+              </a:ext>
+            </a:extLst>
+          </a:blip>
+          <a:stretch>
+            <a:fillRect/>
+          </a:stretch>
+        </p:blipFill>
+        <p:spPr>
+          <a:xfrm>
+            <a:off x="1776000" y="1173543"/>
+            <a:ext cx="8640000" cy="4510914"/>
+          </a:xfrm>
+          <a:prstGeom prst="rect">
+            <a:avLst/>
+          </a:prstGeom>
+          <a:ln>
+            <a:solidFill>
+              <a:schemeClr val="tx1"/>
+            </a:solidFill>
+          </a:ln>
+        </p:spPr>
+      </p:pic>
+    </p:spTree>
+    <p:extLst>
+      <p:ext uri="{BB962C8B-B14F-4D97-AF65-F5344CB8AC3E}">
+        <p14:creationId xmlns:p14="http://schemas.microsoft.com/office/powerpoint/2010/main" val="4098984427"/>
+      </p:ext>
+    </p:extLst>
+  </p:cSld>
+  <p:clrMapOvr>
+    <a:masterClrMapping/>
+  </p:clrMapOvr>
+</p:sld>
+</file>
+
+<file path=ppt/slides/slide18.xml><?xml version="1.0" encoding="utf-8"?>
+<p:sld xmlns:a="http://schemas.openxmlformats.org/drawingml/2006/main" xmlns:r="http://schemas.openxmlformats.org/officeDocument/2006/relationships" xmlns:p="http://schemas.openxmlformats.org/presentationml/2006/main">
+  <p:cSld>
+    <p:spTree>
+      <p:nvGrpSpPr>
+        <p:cNvPr id="1" name=""/>
+        <p:cNvGrpSpPr/>
+        <p:nvPr/>
+      </p:nvGrpSpPr>
+      <p:grpSpPr>
+        <a:xfrm>
+          <a:off x="0" y="0"/>
+          <a:ext cx="0" cy="0"/>
+          <a:chOff x="0" y="0"/>
+          <a:chExt cx="0" cy="0"/>
+        </a:xfrm>
+      </p:grpSpPr>
+      <p:pic>
+        <p:nvPicPr>
+          <p:cNvPr id="6" name="Grafik 5">
+            <a:extLst>
+              <a:ext uri="{FF2B5EF4-FFF2-40B4-BE49-F238E27FC236}">
+                <a16:creationId xmlns:a16="http://schemas.microsoft.com/office/drawing/2014/main" id="{0DC0BB68-0DD7-4EE5-B0C5-2E8A305B5C64}"/>
+              </a:ext>
+            </a:extLst>
+          </p:cNvPr>
+          <p:cNvPicPr>
+            <a:picLocks noChangeAspect="1"/>
+          </p:cNvPicPr>
+          <p:nvPr/>
+        </p:nvPicPr>
+        <p:blipFill>
+          <a:blip r:embed="rId2">
+            <a:extLst>
+              <a:ext uri="{28A0092B-C50C-407E-A947-70E740481C1C}">
+                <a14:useLocalDpi xmlns:a14="http://schemas.microsoft.com/office/drawing/2010/main" val="0"/>
+              </a:ext>
+            </a:extLst>
+          </a:blip>
+          <a:stretch>
+            <a:fillRect/>
+          </a:stretch>
+        </p:blipFill>
+        <p:spPr>
+          <a:xfrm>
+            <a:off x="1776000" y="352110"/>
+            <a:ext cx="8640000" cy="6153780"/>
+          </a:xfrm>
+          <a:prstGeom prst="rect">
+            <a:avLst/>
+          </a:prstGeom>
+        </p:spPr>
+      </p:pic>
+    </p:spTree>
+    <p:extLst>
+      <p:ext uri="{BB962C8B-B14F-4D97-AF65-F5344CB8AC3E}">
+        <p14:creationId xmlns:p14="http://schemas.microsoft.com/office/powerpoint/2010/main" val="1834301373"/>
+      </p:ext>
+    </p:extLst>
+  </p:cSld>
+  <p:clrMapOvr>
+    <a:masterClrMapping/>
+  </p:clrMapOvr>
+</p:sld>
+</file>
+
+<file path=ppt/slides/slide19.xml><?xml version="1.0" encoding="utf-8"?>
+<p:sld xmlns:a="http://schemas.openxmlformats.org/drawingml/2006/main" xmlns:r="http://schemas.openxmlformats.org/officeDocument/2006/relationships" xmlns:p="http://schemas.openxmlformats.org/presentationml/2006/main">
+  <p:cSld>
+    <p:spTree>
+      <p:nvGrpSpPr>
+        <p:cNvPr id="1" name=""/>
+        <p:cNvGrpSpPr/>
+        <p:nvPr/>
+      </p:nvGrpSpPr>
+      <p:grpSpPr>
+        <a:xfrm>
+          <a:off x="0" y="0"/>
+          <a:ext cx="0" cy="0"/>
+          <a:chOff x="0" y="0"/>
+          <a:chExt cx="0" cy="0"/>
+        </a:xfrm>
+      </p:grpSpPr>
+      <p:pic>
+        <p:nvPicPr>
+          <p:cNvPr id="3" name="Grafik 2">
+            <a:extLst>
+              <a:ext uri="{FF2B5EF4-FFF2-40B4-BE49-F238E27FC236}">
+                <a16:creationId xmlns:a16="http://schemas.microsoft.com/office/drawing/2014/main" id="{AE3BD71C-67B9-4E92-B69C-2421458E4079}"/>
+              </a:ext>
+            </a:extLst>
+          </p:cNvPr>
+          <p:cNvPicPr>
+            <a:picLocks noChangeAspect="1"/>
+          </p:cNvPicPr>
+          <p:nvPr/>
+        </p:nvPicPr>
+        <p:blipFill>
+          <a:blip r:embed="rId2">
+            <a:extLst>
+              <a:ext uri="{28A0092B-C50C-407E-A947-70E740481C1C}">
+                <a14:useLocalDpi xmlns:a14="http://schemas.microsoft.com/office/drawing/2010/main" val="0"/>
+              </a:ext>
+            </a:extLst>
+          </a:blip>
+          <a:stretch>
+            <a:fillRect/>
+          </a:stretch>
+        </p:blipFill>
+        <p:spPr>
+          <a:xfrm>
+            <a:off x="1776000" y="523513"/>
+            <a:ext cx="8640000" cy="5810973"/>
+          </a:xfrm>
+          <a:prstGeom prst="rect">
+            <a:avLst/>
+          </a:prstGeom>
+        </p:spPr>
+      </p:pic>
+    </p:spTree>
+    <p:extLst>
+      <p:ext uri="{BB962C8B-B14F-4D97-AF65-F5344CB8AC3E}">
+        <p14:creationId xmlns:p14="http://schemas.microsoft.com/office/powerpoint/2010/main" val="599524360"/>
+      </p:ext>
+    </p:extLst>
+  </p:cSld>
+  <p:clrMapOvr>
+    <a:masterClrMapping/>
+  </p:clrMapOvr>
+</p:sld>
+</file>
+
+<file path=ppt/slides/slide2.xml><?xml version="1.0" encoding="utf-8"?>
+<p:sld xmlns:a="http://schemas.openxmlformats.org/drawingml/2006/main" xmlns:r="http://schemas.openxmlformats.org/officeDocument/2006/relationships" xmlns:p="http://schemas.openxmlformats.org/presentationml/2006/main">
+  <p:cSld>
+    <p:spTree>
+      <p:nvGrpSpPr>
+        <p:cNvPr id="1" name=""/>
+        <p:cNvGrpSpPr/>
+        <p:nvPr/>
+      </p:nvGrpSpPr>
+      <p:grpSpPr>
+        <a:xfrm>
+          <a:off x="0" y="0"/>
+          <a:ext cx="0" cy="0"/>
+          <a:chOff x="0" y="0"/>
+          <a:chExt cx="0" cy="0"/>
+        </a:xfrm>
+      </p:grpSpPr>
       <p:pic>
         <p:nvPicPr>
           <p:cNvPr id="10" name="Grafik 9">
@@ -6140,6 +7197,41 @@
           </a:prstGeom>
         </p:spPr>
       </p:pic>
+      <p:sp>
+        <p:nvSpPr>
+          <p:cNvPr id="11" name="Textfeld 10">
+            <a:extLst>
+              <a:ext uri="{FF2B5EF4-FFF2-40B4-BE49-F238E27FC236}">
+                <a16:creationId xmlns:a16="http://schemas.microsoft.com/office/drawing/2014/main" id="{497C2BC3-A108-410C-9F58-25DE12EC8E0D}"/>
+              </a:ext>
+            </a:extLst>
+          </p:cNvPr>
+          <p:cNvSpPr txBox="1"/>
+          <p:nvPr/>
+        </p:nvSpPr>
+        <p:spPr>
+          <a:xfrm>
+            <a:off x="1846554" y="530562"/>
+            <a:ext cx="1925014" cy="369332"/>
+          </a:xfrm>
+          <a:prstGeom prst="rect">
+            <a:avLst/>
+          </a:prstGeom>
+          <a:noFill/>
+        </p:spPr>
+        <p:txBody>
+          <a:bodyPr wrap="none" rtlCol="0">
+            <a:spAutoFit/>
+          </a:bodyPr>
+          <a:lstStyle/>
+          <a:p>
+            <a:r>
+              <a:rPr lang="de-DE" dirty="0"/>
+              <a:t>Simulationsablauf:</a:t>
+            </a:r>
+          </a:p>
+        </p:txBody>
+      </p:sp>
     </p:spTree>
     <p:extLst>
       <p:ext uri="{BB962C8B-B14F-4D97-AF65-F5344CB8AC3E}">
@@ -6660,759 +7752,7 @@
 </p:sld>
 </file>
 
-<file path=ppt/slides/slide10.xml><?xml version="1.0" encoding="utf-8"?>
-<p:sld xmlns:a="http://schemas.openxmlformats.org/drawingml/2006/main" xmlns:r="http://schemas.openxmlformats.org/officeDocument/2006/relationships" xmlns:p="http://schemas.openxmlformats.org/presentationml/2006/main">
-  <p:cSld>
-    <p:spTree>
-      <p:nvGrpSpPr>
-        <p:cNvPr id="1" name=""/>
-        <p:cNvGrpSpPr/>
-        <p:nvPr/>
-      </p:nvGrpSpPr>
-      <p:grpSpPr>
-        <a:xfrm>
-          <a:off x="0" y="0"/>
-          <a:ext cx="0" cy="0"/>
-          <a:chOff x="0" y="0"/>
-          <a:chExt cx="0" cy="0"/>
-        </a:xfrm>
-      </p:grpSpPr>
-      <p:pic>
-        <p:nvPicPr>
-          <p:cNvPr id="3" name="Grafik 2">
-            <a:extLst>
-              <a:ext uri="{FF2B5EF4-FFF2-40B4-BE49-F238E27FC236}">
-                <a16:creationId xmlns:a16="http://schemas.microsoft.com/office/drawing/2014/main" id="{9147AE84-07B8-40B0-8BFD-C107D2F3B6FC}"/>
-              </a:ext>
-            </a:extLst>
-          </p:cNvPr>
-          <p:cNvPicPr>
-            <a:picLocks noChangeAspect="1"/>
-          </p:cNvPicPr>
-          <p:nvPr/>
-        </p:nvPicPr>
-        <p:blipFill>
-          <a:blip r:embed="rId2">
-            <a:extLst>
-              <a:ext uri="{28A0092B-C50C-407E-A947-70E740481C1C}">
-                <a14:useLocalDpi xmlns:a14="http://schemas.microsoft.com/office/drawing/2010/main" val="0"/>
-              </a:ext>
-            </a:extLst>
-          </a:blip>
-          <a:stretch>
-            <a:fillRect/>
-          </a:stretch>
-        </p:blipFill>
-        <p:spPr>
-          <a:xfrm>
-            <a:off x="1776000" y="387565"/>
-            <a:ext cx="8640000" cy="6082870"/>
-          </a:xfrm>
-          <a:prstGeom prst="rect">
-            <a:avLst/>
-          </a:prstGeom>
-        </p:spPr>
-      </p:pic>
-    </p:spTree>
-    <p:extLst>
-      <p:ext uri="{BB962C8B-B14F-4D97-AF65-F5344CB8AC3E}">
-        <p14:creationId xmlns:p14="http://schemas.microsoft.com/office/powerpoint/2010/main" val="499438565"/>
-      </p:ext>
-    </p:extLst>
-  </p:cSld>
-  <p:clrMapOvr>
-    <a:masterClrMapping/>
-  </p:clrMapOvr>
-</p:sld>
-</file>
-
-<file path=ppt/slides/slide11.xml><?xml version="1.0" encoding="utf-8"?>
-<p:sld xmlns:a="http://schemas.openxmlformats.org/drawingml/2006/main" xmlns:r="http://schemas.openxmlformats.org/officeDocument/2006/relationships" xmlns:p="http://schemas.openxmlformats.org/presentationml/2006/main">
-  <p:cSld>
-    <p:spTree>
-      <p:nvGrpSpPr>
-        <p:cNvPr id="1" name=""/>
-        <p:cNvGrpSpPr/>
-        <p:nvPr/>
-      </p:nvGrpSpPr>
-      <p:grpSpPr>
-        <a:xfrm>
-          <a:off x="0" y="0"/>
-          <a:ext cx="0" cy="0"/>
-          <a:chOff x="0" y="0"/>
-          <a:chExt cx="0" cy="0"/>
-        </a:xfrm>
-      </p:grpSpPr>
-      <p:pic>
-        <p:nvPicPr>
-          <p:cNvPr id="3" name="Grafik 2">
-            <a:extLst>
-              <a:ext uri="{FF2B5EF4-FFF2-40B4-BE49-F238E27FC236}">
-                <a16:creationId xmlns:a16="http://schemas.microsoft.com/office/drawing/2014/main" id="{EF3C58F9-EA0C-46BD-BFC0-AED09BA5BD49}"/>
-              </a:ext>
-            </a:extLst>
-          </p:cNvPr>
-          <p:cNvPicPr>
-            <a:picLocks noChangeAspect="1"/>
-          </p:cNvPicPr>
-          <p:nvPr/>
-        </p:nvPicPr>
-        <p:blipFill>
-          <a:blip r:embed="rId2">
-            <a:extLst>
-              <a:ext uri="{28A0092B-C50C-407E-A947-70E740481C1C}">
-                <a14:useLocalDpi xmlns:a14="http://schemas.microsoft.com/office/drawing/2010/main" val="0"/>
-              </a:ext>
-            </a:extLst>
-          </a:blip>
-          <a:stretch>
-            <a:fillRect/>
-          </a:stretch>
-        </p:blipFill>
-        <p:spPr>
-          <a:xfrm>
-            <a:off x="1776000" y="342170"/>
-            <a:ext cx="8640000" cy="6173659"/>
-          </a:xfrm>
-          <a:prstGeom prst="rect">
-            <a:avLst/>
-          </a:prstGeom>
-        </p:spPr>
-      </p:pic>
-    </p:spTree>
-    <p:extLst>
-      <p:ext uri="{BB962C8B-B14F-4D97-AF65-F5344CB8AC3E}">
-        <p14:creationId xmlns:p14="http://schemas.microsoft.com/office/powerpoint/2010/main" val="415512355"/>
-      </p:ext>
-    </p:extLst>
-  </p:cSld>
-  <p:clrMapOvr>
-    <a:masterClrMapping/>
-  </p:clrMapOvr>
-</p:sld>
-</file>
-
-<file path=ppt/slides/slide12.xml><?xml version="1.0" encoding="utf-8"?>
-<p:sld xmlns:a="http://schemas.openxmlformats.org/drawingml/2006/main" xmlns:r="http://schemas.openxmlformats.org/officeDocument/2006/relationships" xmlns:p="http://schemas.openxmlformats.org/presentationml/2006/main">
-  <p:cSld>
-    <p:spTree>
-      <p:nvGrpSpPr>
-        <p:cNvPr id="1" name=""/>
-        <p:cNvGrpSpPr/>
-        <p:nvPr/>
-      </p:nvGrpSpPr>
-      <p:grpSpPr>
-        <a:xfrm>
-          <a:off x="0" y="0"/>
-          <a:ext cx="0" cy="0"/>
-          <a:chOff x="0" y="0"/>
-          <a:chExt cx="0" cy="0"/>
-        </a:xfrm>
-      </p:grpSpPr>
-      <p:pic>
-        <p:nvPicPr>
-          <p:cNvPr id="5" name="Grafik 4">
-            <a:extLst>
-              <a:ext uri="{FF2B5EF4-FFF2-40B4-BE49-F238E27FC236}">
-                <a16:creationId xmlns:a16="http://schemas.microsoft.com/office/drawing/2014/main" id="{BC0C2DA1-F6BE-47E7-A8FC-A1A9608C6E0F}"/>
-              </a:ext>
-            </a:extLst>
-          </p:cNvPr>
-          <p:cNvPicPr>
-            <a:picLocks noChangeAspect="1"/>
-          </p:cNvPicPr>
-          <p:nvPr/>
-        </p:nvPicPr>
-        <p:blipFill>
-          <a:blip r:embed="rId2">
-            <a:extLst>
-              <a:ext uri="{28A0092B-C50C-407E-A947-70E740481C1C}">
-                <a14:useLocalDpi xmlns:a14="http://schemas.microsoft.com/office/drawing/2010/main" val="0"/>
-              </a:ext>
-            </a:extLst>
-          </a:blip>
-          <a:stretch>
-            <a:fillRect/>
-          </a:stretch>
-        </p:blipFill>
-        <p:spPr>
-          <a:xfrm>
-            <a:off x="2614126" y="1171260"/>
-            <a:ext cx="6963747" cy="4515480"/>
-          </a:xfrm>
-          <a:prstGeom prst="rect">
-            <a:avLst/>
-          </a:prstGeom>
-        </p:spPr>
-      </p:pic>
-    </p:spTree>
-    <p:extLst>
-      <p:ext uri="{BB962C8B-B14F-4D97-AF65-F5344CB8AC3E}">
-        <p14:creationId xmlns:p14="http://schemas.microsoft.com/office/powerpoint/2010/main" val="1652636961"/>
-      </p:ext>
-    </p:extLst>
-  </p:cSld>
-  <p:clrMapOvr>
-    <a:masterClrMapping/>
-  </p:clrMapOvr>
-</p:sld>
-</file>
-
-<file path=ppt/slides/slide13.xml><?xml version="1.0" encoding="utf-8"?>
-<p:sld xmlns:a="http://schemas.openxmlformats.org/drawingml/2006/main" xmlns:r="http://schemas.openxmlformats.org/officeDocument/2006/relationships" xmlns:p="http://schemas.openxmlformats.org/presentationml/2006/main">
-  <p:cSld>
-    <p:spTree>
-      <p:nvGrpSpPr>
-        <p:cNvPr id="1" name=""/>
-        <p:cNvGrpSpPr/>
-        <p:nvPr/>
-      </p:nvGrpSpPr>
-      <p:grpSpPr>
-        <a:xfrm>
-          <a:off x="0" y="0"/>
-          <a:ext cx="0" cy="0"/>
-          <a:chOff x="0" y="0"/>
-          <a:chExt cx="0" cy="0"/>
-        </a:xfrm>
-      </p:grpSpPr>
-      <p:pic>
-        <p:nvPicPr>
-          <p:cNvPr id="5" name="Grafik 4">
-            <a:extLst>
-              <a:ext uri="{FF2B5EF4-FFF2-40B4-BE49-F238E27FC236}">
-                <a16:creationId xmlns:a16="http://schemas.microsoft.com/office/drawing/2014/main" id="{A99FAFEC-2F90-4A66-9B8A-B03B1D94B7C6}"/>
-              </a:ext>
-            </a:extLst>
-          </p:cNvPr>
-          <p:cNvPicPr>
-            <a:picLocks noChangeAspect="1"/>
-          </p:cNvPicPr>
-          <p:nvPr/>
-        </p:nvPicPr>
-        <p:blipFill>
-          <a:blip r:embed="rId2">
-            <a:extLst>
-              <a:ext uri="{28A0092B-C50C-407E-A947-70E740481C1C}">
-                <a14:useLocalDpi xmlns:a14="http://schemas.microsoft.com/office/drawing/2010/main" val="0"/>
-              </a:ext>
-            </a:extLst>
-          </a:blip>
-          <a:stretch>
-            <a:fillRect/>
-          </a:stretch>
-        </p:blipFill>
-        <p:spPr>
-          <a:xfrm>
-            <a:off x="1776000" y="1994938"/>
-            <a:ext cx="8640000" cy="2868124"/>
-          </a:xfrm>
-          <a:prstGeom prst="rect">
-            <a:avLst/>
-          </a:prstGeom>
-          <a:ln>
-            <a:solidFill>
-              <a:schemeClr val="tx1"/>
-            </a:solidFill>
-          </a:ln>
-        </p:spPr>
-      </p:pic>
-    </p:spTree>
-    <p:extLst>
-      <p:ext uri="{BB962C8B-B14F-4D97-AF65-F5344CB8AC3E}">
-        <p14:creationId xmlns:p14="http://schemas.microsoft.com/office/powerpoint/2010/main" val="2479228849"/>
-      </p:ext>
-    </p:extLst>
-  </p:cSld>
-  <p:clrMapOvr>
-    <a:masterClrMapping/>
-  </p:clrMapOvr>
-</p:sld>
-</file>
-
-<file path=ppt/slides/slide14.xml><?xml version="1.0" encoding="utf-8"?>
-<p:sld xmlns:a="http://schemas.openxmlformats.org/drawingml/2006/main" xmlns:r="http://schemas.openxmlformats.org/officeDocument/2006/relationships" xmlns:p="http://schemas.openxmlformats.org/presentationml/2006/main">
-  <p:cSld>
-    <p:spTree>
-      <p:nvGrpSpPr>
-        <p:cNvPr id="1" name=""/>
-        <p:cNvGrpSpPr/>
-        <p:nvPr/>
-      </p:nvGrpSpPr>
-      <p:grpSpPr>
-        <a:xfrm>
-          <a:off x="0" y="0"/>
-          <a:ext cx="0" cy="0"/>
-          <a:chOff x="0" y="0"/>
-          <a:chExt cx="0" cy="0"/>
-        </a:xfrm>
-      </p:grpSpPr>
-      <p:pic>
-        <p:nvPicPr>
-          <p:cNvPr id="5" name="Grafik 4">
-            <a:extLst>
-              <a:ext uri="{FF2B5EF4-FFF2-40B4-BE49-F238E27FC236}">
-                <a16:creationId xmlns:a16="http://schemas.microsoft.com/office/drawing/2014/main" id="{5EA9F435-9A6C-48E2-836A-6DC82820CCEE}"/>
-              </a:ext>
-            </a:extLst>
-          </p:cNvPr>
-          <p:cNvPicPr>
-            <a:picLocks noChangeAspect="1"/>
-          </p:cNvPicPr>
-          <p:nvPr/>
-        </p:nvPicPr>
-        <p:blipFill>
-          <a:blip r:embed="rId2">
-            <a:extLst>
-              <a:ext uri="{28A0092B-C50C-407E-A947-70E740481C1C}">
-                <a14:useLocalDpi xmlns:a14="http://schemas.microsoft.com/office/drawing/2010/main" val="0"/>
-              </a:ext>
-            </a:extLst>
-          </a:blip>
-          <a:stretch>
-            <a:fillRect/>
-          </a:stretch>
-        </p:blipFill>
-        <p:spPr>
-          <a:xfrm>
-            <a:off x="1776000" y="680716"/>
-            <a:ext cx="8640000" cy="5496567"/>
-          </a:xfrm>
-          <a:prstGeom prst="rect">
-            <a:avLst/>
-          </a:prstGeom>
-          <a:ln>
-            <a:solidFill>
-              <a:schemeClr val="tx1"/>
-            </a:solidFill>
-          </a:ln>
-        </p:spPr>
-      </p:pic>
-      <p:pic>
-        <p:nvPicPr>
-          <p:cNvPr id="3" name="Grafik 2">
-            <a:extLst>
-              <a:ext uri="{FF2B5EF4-FFF2-40B4-BE49-F238E27FC236}">
-                <a16:creationId xmlns:a16="http://schemas.microsoft.com/office/drawing/2014/main" id="{00F2DE6A-19D8-4D3C-BFD4-E0FC879CD9C5}"/>
-              </a:ext>
-            </a:extLst>
-          </p:cNvPr>
-          <p:cNvPicPr>
-            <a:picLocks noChangeAspect="1"/>
-          </p:cNvPicPr>
-          <p:nvPr/>
-        </p:nvPicPr>
-        <p:blipFill>
-          <a:blip r:embed="rId3">
-            <a:extLst>
-              <a:ext uri="{28A0092B-C50C-407E-A947-70E740481C1C}">
-                <a14:useLocalDpi xmlns:a14="http://schemas.microsoft.com/office/drawing/2010/main" val="0"/>
-              </a:ext>
-            </a:extLst>
-          </a:blip>
-          <a:stretch>
-            <a:fillRect/>
-          </a:stretch>
-        </p:blipFill>
-        <p:spPr>
-          <a:xfrm>
-            <a:off x="2184443" y="1170705"/>
-            <a:ext cx="7400226" cy="2335975"/>
-          </a:xfrm>
-          <a:prstGeom prst="rect">
-            <a:avLst/>
-          </a:prstGeom>
-        </p:spPr>
-      </p:pic>
-      <p:pic>
-        <p:nvPicPr>
-          <p:cNvPr id="2" name="Grafik 1">
-            <a:extLst>
-              <a:ext uri="{FF2B5EF4-FFF2-40B4-BE49-F238E27FC236}">
-                <a16:creationId xmlns:a16="http://schemas.microsoft.com/office/drawing/2014/main" id="{2305FB5A-E960-4782-AB55-E10EDD0F8564}"/>
-              </a:ext>
-            </a:extLst>
-          </p:cNvPr>
-          <p:cNvPicPr>
-            <a:picLocks noChangeAspect="1"/>
-          </p:cNvPicPr>
-          <p:nvPr/>
-        </p:nvPicPr>
-        <p:blipFill>
-          <a:blip r:embed="rId4"/>
-          <a:stretch>
-            <a:fillRect/>
-          </a:stretch>
-        </p:blipFill>
-        <p:spPr>
-          <a:xfrm>
-            <a:off x="2070143" y="709292"/>
-            <a:ext cx="2025607" cy="376440"/>
-          </a:xfrm>
-          <a:prstGeom prst="rect">
-            <a:avLst/>
-          </a:prstGeom>
-        </p:spPr>
-      </p:pic>
-      <p:pic>
-        <p:nvPicPr>
-          <p:cNvPr id="6" name="Grafik 5">
-            <a:extLst>
-              <a:ext uri="{FF2B5EF4-FFF2-40B4-BE49-F238E27FC236}">
-                <a16:creationId xmlns:a16="http://schemas.microsoft.com/office/drawing/2014/main" id="{8C4FCBA9-A933-46CE-8104-811E4AC6F0C0}"/>
-              </a:ext>
-            </a:extLst>
-          </p:cNvPr>
-          <p:cNvPicPr>
-            <a:picLocks noChangeAspect="1"/>
-          </p:cNvPicPr>
-          <p:nvPr/>
-        </p:nvPicPr>
-        <p:blipFill>
-          <a:blip r:embed="rId5">
-            <a:extLst>
-              <a:ext uri="{28A0092B-C50C-407E-A947-70E740481C1C}">
-                <a14:useLocalDpi xmlns:a14="http://schemas.microsoft.com/office/drawing/2010/main" val="0"/>
-              </a:ext>
-            </a:extLst>
-          </a:blip>
-          <a:stretch>
-            <a:fillRect/>
-          </a:stretch>
-        </p:blipFill>
-        <p:spPr>
-          <a:xfrm>
-            <a:off x="2184443" y="3487631"/>
-            <a:ext cx="7340557" cy="2369926"/>
-          </a:xfrm>
-          <a:prstGeom prst="rect">
-            <a:avLst/>
-          </a:prstGeom>
-        </p:spPr>
-      </p:pic>
-    </p:spTree>
-    <p:extLst>
-      <p:ext uri="{BB962C8B-B14F-4D97-AF65-F5344CB8AC3E}">
-        <p14:creationId xmlns:p14="http://schemas.microsoft.com/office/powerpoint/2010/main" val="4052512301"/>
-      </p:ext>
-    </p:extLst>
-  </p:cSld>
-  <p:clrMapOvr>
-    <a:masterClrMapping/>
-  </p:clrMapOvr>
-</p:sld>
-</file>
-
-<file path=ppt/slides/slide15.xml><?xml version="1.0" encoding="utf-8"?>
-<p:sld xmlns:a="http://schemas.openxmlformats.org/drawingml/2006/main" xmlns:r="http://schemas.openxmlformats.org/officeDocument/2006/relationships" xmlns:p="http://schemas.openxmlformats.org/presentationml/2006/main">
-  <p:cSld>
-    <p:spTree>
-      <p:nvGrpSpPr>
-        <p:cNvPr id="1" name=""/>
-        <p:cNvGrpSpPr/>
-        <p:nvPr/>
-      </p:nvGrpSpPr>
-      <p:grpSpPr>
-        <a:xfrm>
-          <a:off x="0" y="0"/>
-          <a:ext cx="0" cy="0"/>
-          <a:chOff x="0" y="0"/>
-          <a:chExt cx="0" cy="0"/>
-        </a:xfrm>
-      </p:grpSpPr>
-      <p:pic>
-        <p:nvPicPr>
-          <p:cNvPr id="6" name="Grafik 5">
-            <a:extLst>
-              <a:ext uri="{FF2B5EF4-FFF2-40B4-BE49-F238E27FC236}">
-                <a16:creationId xmlns:a16="http://schemas.microsoft.com/office/drawing/2014/main" id="{DEF9B89B-7E9E-4400-8C8B-E18D15994F6D}"/>
-              </a:ext>
-            </a:extLst>
-          </p:cNvPr>
-          <p:cNvPicPr>
-            <a:picLocks noChangeAspect="1"/>
-          </p:cNvPicPr>
-          <p:nvPr/>
-        </p:nvPicPr>
-        <p:blipFill>
-          <a:blip r:embed="rId2">
-            <a:extLst>
-              <a:ext uri="{28A0092B-C50C-407E-A947-70E740481C1C}">
-                <a14:useLocalDpi xmlns:a14="http://schemas.microsoft.com/office/drawing/2010/main" val="0"/>
-              </a:ext>
-            </a:extLst>
-          </a:blip>
-          <a:stretch>
-            <a:fillRect/>
-          </a:stretch>
-        </p:blipFill>
-        <p:spPr>
-          <a:xfrm>
-            <a:off x="1776000" y="680716"/>
-            <a:ext cx="8640000" cy="5496567"/>
-          </a:xfrm>
-          <a:prstGeom prst="rect">
-            <a:avLst/>
-          </a:prstGeom>
-          <a:ln>
-            <a:solidFill>
-              <a:schemeClr val="tx1"/>
-            </a:solidFill>
-          </a:ln>
-        </p:spPr>
-      </p:pic>
-      <p:pic>
-        <p:nvPicPr>
-          <p:cNvPr id="7" name="Grafik 6">
-            <a:extLst>
-              <a:ext uri="{FF2B5EF4-FFF2-40B4-BE49-F238E27FC236}">
-                <a16:creationId xmlns:a16="http://schemas.microsoft.com/office/drawing/2014/main" id="{2D6F4A17-A3A0-401D-9146-E3AED47490C7}"/>
-              </a:ext>
-            </a:extLst>
-          </p:cNvPr>
-          <p:cNvPicPr>
-            <a:picLocks noChangeAspect="1"/>
-          </p:cNvPicPr>
-          <p:nvPr/>
-        </p:nvPicPr>
-        <p:blipFill>
-          <a:blip r:embed="rId3">
-            <a:extLst>
-              <a:ext uri="{28A0092B-C50C-407E-A947-70E740481C1C}">
-                <a14:useLocalDpi xmlns:a14="http://schemas.microsoft.com/office/drawing/2010/main" val="0"/>
-              </a:ext>
-            </a:extLst>
-          </a:blip>
-          <a:stretch>
-            <a:fillRect/>
-          </a:stretch>
-        </p:blipFill>
-        <p:spPr>
-          <a:xfrm>
-            <a:off x="2184443" y="1170705"/>
-            <a:ext cx="7400226" cy="2335975"/>
-          </a:xfrm>
-          <a:prstGeom prst="rect">
-            <a:avLst/>
-          </a:prstGeom>
-        </p:spPr>
-      </p:pic>
-    </p:spTree>
-    <p:extLst>
-      <p:ext uri="{BB962C8B-B14F-4D97-AF65-F5344CB8AC3E}">
-        <p14:creationId xmlns:p14="http://schemas.microsoft.com/office/powerpoint/2010/main" val="1447473983"/>
-      </p:ext>
-    </p:extLst>
-  </p:cSld>
-  <p:clrMapOvr>
-    <a:masterClrMapping/>
-  </p:clrMapOvr>
-</p:sld>
-</file>
-
-<file path=ppt/slides/slide16.xml><?xml version="1.0" encoding="utf-8"?>
-<p:sld xmlns:a="http://schemas.openxmlformats.org/drawingml/2006/main" xmlns:r="http://schemas.openxmlformats.org/officeDocument/2006/relationships" xmlns:p="http://schemas.openxmlformats.org/presentationml/2006/main">
-  <p:cSld>
-    <p:spTree>
-      <p:nvGrpSpPr>
-        <p:cNvPr id="1" name=""/>
-        <p:cNvGrpSpPr/>
-        <p:nvPr/>
-      </p:nvGrpSpPr>
-      <p:grpSpPr>
-        <a:xfrm>
-          <a:off x="0" y="0"/>
-          <a:ext cx="0" cy="0"/>
-          <a:chOff x="0" y="0"/>
-          <a:chExt cx="0" cy="0"/>
-        </a:xfrm>
-      </p:grpSpPr>
-      <p:pic>
-        <p:nvPicPr>
-          <p:cNvPr id="6" name="Inhaltsplatzhalter 5">
-            <a:extLst>
-              <a:ext uri="{FF2B5EF4-FFF2-40B4-BE49-F238E27FC236}">
-                <a16:creationId xmlns:a16="http://schemas.microsoft.com/office/drawing/2014/main" id="{8FC8A21B-0325-4926-929C-C5D13E637ED3}"/>
-              </a:ext>
-            </a:extLst>
-          </p:cNvPr>
-          <p:cNvPicPr>
-            <a:picLocks noChangeAspect="1"/>
-          </p:cNvPicPr>
-          <p:nvPr/>
-        </p:nvPicPr>
-        <p:blipFill>
-          <a:blip r:embed="rId2">
-            <a:extLst>
-              <a:ext uri="{28A0092B-C50C-407E-A947-70E740481C1C}">
-                <a14:useLocalDpi xmlns:a14="http://schemas.microsoft.com/office/drawing/2010/main" val="0"/>
-              </a:ext>
-            </a:extLst>
-          </a:blip>
-          <a:stretch>
-            <a:fillRect/>
-          </a:stretch>
-        </p:blipFill>
-        <p:spPr>
-          <a:xfrm>
-            <a:off x="1776000" y="1173543"/>
-            <a:ext cx="8640000" cy="4510914"/>
-          </a:xfrm>
-          <a:prstGeom prst="rect">
-            <a:avLst/>
-          </a:prstGeom>
-          <a:ln>
-            <a:solidFill>
-              <a:schemeClr val="tx1"/>
-            </a:solidFill>
-          </a:ln>
-        </p:spPr>
-      </p:pic>
-    </p:spTree>
-    <p:extLst>
-      <p:ext uri="{BB962C8B-B14F-4D97-AF65-F5344CB8AC3E}">
-        <p14:creationId xmlns:p14="http://schemas.microsoft.com/office/powerpoint/2010/main" val="4098984427"/>
-      </p:ext>
-    </p:extLst>
-  </p:cSld>
-  <p:clrMapOvr>
-    <a:masterClrMapping/>
-  </p:clrMapOvr>
-</p:sld>
-</file>
-
-<file path=ppt/slides/slide17.xml><?xml version="1.0" encoding="utf-8"?>
-<p:sld xmlns:a="http://schemas.openxmlformats.org/drawingml/2006/main" xmlns:r="http://schemas.openxmlformats.org/officeDocument/2006/relationships" xmlns:p="http://schemas.openxmlformats.org/presentationml/2006/main">
-  <p:cSld>
-    <p:spTree>
-      <p:nvGrpSpPr>
-        <p:cNvPr id="1" name=""/>
-        <p:cNvGrpSpPr/>
-        <p:nvPr/>
-      </p:nvGrpSpPr>
-      <p:grpSpPr>
-        <a:xfrm>
-          <a:off x="0" y="0"/>
-          <a:ext cx="0" cy="0"/>
-          <a:chOff x="0" y="0"/>
-          <a:chExt cx="0" cy="0"/>
-        </a:xfrm>
-      </p:grpSpPr>
-      <p:pic>
-        <p:nvPicPr>
-          <p:cNvPr id="6" name="Grafik 5">
-            <a:extLst>
-              <a:ext uri="{FF2B5EF4-FFF2-40B4-BE49-F238E27FC236}">
-                <a16:creationId xmlns:a16="http://schemas.microsoft.com/office/drawing/2014/main" id="{0DC0BB68-0DD7-4EE5-B0C5-2E8A305B5C64}"/>
-              </a:ext>
-            </a:extLst>
-          </p:cNvPr>
-          <p:cNvPicPr>
-            <a:picLocks noChangeAspect="1"/>
-          </p:cNvPicPr>
-          <p:nvPr/>
-        </p:nvPicPr>
-        <p:blipFill>
-          <a:blip r:embed="rId2">
-            <a:extLst>
-              <a:ext uri="{28A0092B-C50C-407E-A947-70E740481C1C}">
-                <a14:useLocalDpi xmlns:a14="http://schemas.microsoft.com/office/drawing/2010/main" val="0"/>
-              </a:ext>
-            </a:extLst>
-          </a:blip>
-          <a:stretch>
-            <a:fillRect/>
-          </a:stretch>
-        </p:blipFill>
-        <p:spPr>
-          <a:xfrm>
-            <a:off x="1776000" y="352110"/>
-            <a:ext cx="8640000" cy="6153780"/>
-          </a:xfrm>
-          <a:prstGeom prst="rect">
-            <a:avLst/>
-          </a:prstGeom>
-        </p:spPr>
-      </p:pic>
-    </p:spTree>
-    <p:extLst>
-      <p:ext uri="{BB962C8B-B14F-4D97-AF65-F5344CB8AC3E}">
-        <p14:creationId xmlns:p14="http://schemas.microsoft.com/office/powerpoint/2010/main" val="1834301373"/>
-      </p:ext>
-    </p:extLst>
-  </p:cSld>
-  <p:clrMapOvr>
-    <a:masterClrMapping/>
-  </p:clrMapOvr>
-</p:sld>
-</file>
-
-<file path=ppt/slides/slide18.xml><?xml version="1.0" encoding="utf-8"?>
-<p:sld xmlns:a="http://schemas.openxmlformats.org/drawingml/2006/main" xmlns:r="http://schemas.openxmlformats.org/officeDocument/2006/relationships" xmlns:p="http://schemas.openxmlformats.org/presentationml/2006/main">
-  <p:cSld>
-    <p:spTree>
-      <p:nvGrpSpPr>
-        <p:cNvPr id="1" name=""/>
-        <p:cNvGrpSpPr/>
-        <p:nvPr/>
-      </p:nvGrpSpPr>
-      <p:grpSpPr>
-        <a:xfrm>
-          <a:off x="0" y="0"/>
-          <a:ext cx="0" cy="0"/>
-          <a:chOff x="0" y="0"/>
-          <a:chExt cx="0" cy="0"/>
-        </a:xfrm>
-      </p:grpSpPr>
-      <p:pic>
-        <p:nvPicPr>
-          <p:cNvPr id="3" name="Grafik 2">
-            <a:extLst>
-              <a:ext uri="{FF2B5EF4-FFF2-40B4-BE49-F238E27FC236}">
-                <a16:creationId xmlns:a16="http://schemas.microsoft.com/office/drawing/2014/main" id="{AE3BD71C-67B9-4E92-B69C-2421458E4079}"/>
-              </a:ext>
-            </a:extLst>
-          </p:cNvPr>
-          <p:cNvPicPr>
-            <a:picLocks noChangeAspect="1"/>
-          </p:cNvPicPr>
-          <p:nvPr/>
-        </p:nvPicPr>
-        <p:blipFill>
-          <a:blip r:embed="rId2">
-            <a:extLst>
-              <a:ext uri="{28A0092B-C50C-407E-A947-70E740481C1C}">
-                <a14:useLocalDpi xmlns:a14="http://schemas.microsoft.com/office/drawing/2010/main" val="0"/>
-              </a:ext>
-            </a:extLst>
-          </a:blip>
-          <a:stretch>
-            <a:fillRect/>
-          </a:stretch>
-        </p:blipFill>
-        <p:spPr>
-          <a:xfrm>
-            <a:off x="1776000" y="523513"/>
-            <a:ext cx="8640000" cy="5810973"/>
-          </a:xfrm>
-          <a:prstGeom prst="rect">
-            <a:avLst/>
-          </a:prstGeom>
-        </p:spPr>
-      </p:pic>
-    </p:spTree>
-    <p:extLst>
-      <p:ext uri="{BB962C8B-B14F-4D97-AF65-F5344CB8AC3E}">
-        <p14:creationId xmlns:p14="http://schemas.microsoft.com/office/powerpoint/2010/main" val="599524360"/>
-      </p:ext>
-    </p:extLst>
-  </p:cSld>
-  <p:clrMapOvr>
-    <a:masterClrMapping/>
-  </p:clrMapOvr>
-</p:sld>
-</file>
-
-<file path=ppt/slides/slide19.xml><?xml version="1.0" encoding="utf-8"?>
+<file path=ppt/slides/slide20.xml><?xml version="1.0" encoding="utf-8"?>
 <p:sld xmlns:a="http://schemas.openxmlformats.org/drawingml/2006/main" xmlns:r="http://schemas.openxmlformats.org/officeDocument/2006/relationships" xmlns:p="http://schemas.openxmlformats.org/presentationml/2006/main">
   <p:cSld>
     <p:spTree>
@@ -7478,7 +7818,73 @@
 </p:sld>
 </file>
 
-<file path=ppt/slides/slide2.xml><?xml version="1.0" encoding="utf-8"?>
+<file path=ppt/slides/slide21.xml><?xml version="1.0" encoding="utf-8"?>
+<p:sld xmlns:a="http://schemas.openxmlformats.org/drawingml/2006/main" xmlns:r="http://schemas.openxmlformats.org/officeDocument/2006/relationships" xmlns:p="http://schemas.openxmlformats.org/presentationml/2006/main">
+  <p:cSld>
+    <p:spTree>
+      <p:nvGrpSpPr>
+        <p:cNvPr id="1" name=""/>
+        <p:cNvGrpSpPr/>
+        <p:nvPr/>
+      </p:nvGrpSpPr>
+      <p:grpSpPr>
+        <a:xfrm>
+          <a:off x="0" y="0"/>
+          <a:ext cx="0" cy="0"/>
+          <a:chOff x="0" y="0"/>
+          <a:chExt cx="0" cy="0"/>
+        </a:xfrm>
+      </p:grpSpPr>
+      <p:pic>
+        <p:nvPicPr>
+          <p:cNvPr id="3" name="Grafik 2">
+            <a:extLst>
+              <a:ext uri="{FF2B5EF4-FFF2-40B4-BE49-F238E27FC236}">
+                <a16:creationId xmlns:a16="http://schemas.microsoft.com/office/drawing/2014/main" id="{2CA12FFE-D9CB-4945-AA3A-D1CFE41FA836}"/>
+              </a:ext>
+            </a:extLst>
+          </p:cNvPr>
+          <p:cNvPicPr>
+            <a:picLocks noChangeAspect="1"/>
+          </p:cNvPicPr>
+          <p:nvPr/>
+        </p:nvPicPr>
+        <p:blipFill>
+          <a:blip r:embed="rId2">
+            <a:extLst>
+              <a:ext uri="{28A0092B-C50C-407E-A947-70E740481C1C}">
+                <a14:useLocalDpi xmlns:a14="http://schemas.microsoft.com/office/drawing/2010/main" val="0"/>
+              </a:ext>
+            </a:extLst>
+          </a:blip>
+          <a:stretch>
+            <a:fillRect/>
+          </a:stretch>
+        </p:blipFill>
+        <p:spPr>
+          <a:xfrm>
+            <a:off x="1776000" y="619819"/>
+            <a:ext cx="8640000" cy="5618361"/>
+          </a:xfrm>
+          <a:prstGeom prst="rect">
+            <a:avLst/>
+          </a:prstGeom>
+        </p:spPr>
+      </p:pic>
+    </p:spTree>
+    <p:extLst>
+      <p:ext uri="{BB962C8B-B14F-4D97-AF65-F5344CB8AC3E}">
+        <p14:creationId xmlns:p14="http://schemas.microsoft.com/office/powerpoint/2010/main" val="4093659205"/>
+      </p:ext>
+    </p:extLst>
+  </p:cSld>
+  <p:clrMapOvr>
+    <a:masterClrMapping/>
+  </p:clrMapOvr>
+</p:sld>
+</file>
+
+<file path=ppt/slides/slide3.xml><?xml version="1.0" encoding="utf-8"?>
 <p:sld xmlns:a="http://schemas.openxmlformats.org/drawingml/2006/main" xmlns:r="http://schemas.openxmlformats.org/officeDocument/2006/relationships" xmlns:p="http://schemas.openxmlformats.org/presentationml/2006/main">
   <p:cSld>
     <p:spTree>
@@ -7744,6 +8150,41 @@
             <a:r>
               <a:rPr lang="de-DE" sz="2800" dirty="0"/>
               <a:t>Was soll ausgegeben werden?</a:t>
+            </a:r>
+          </a:p>
+        </p:txBody>
+      </p:sp>
+      <p:sp>
+        <p:nvSpPr>
+          <p:cNvPr id="2" name="Textfeld 1">
+            <a:extLst>
+              <a:ext uri="{FF2B5EF4-FFF2-40B4-BE49-F238E27FC236}">
+                <a16:creationId xmlns:a16="http://schemas.microsoft.com/office/drawing/2014/main" id="{64F57BB1-3DC3-4130-9F4E-9BABC1F024F1}"/>
+              </a:ext>
+            </a:extLst>
+          </p:cNvPr>
+          <p:cNvSpPr txBox="1"/>
+          <p:nvPr/>
+        </p:nvSpPr>
+        <p:spPr>
+          <a:xfrm>
+            <a:off x="1846554" y="530562"/>
+            <a:ext cx="1925014" cy="369332"/>
+          </a:xfrm>
+          <a:prstGeom prst="rect">
+            <a:avLst/>
+          </a:prstGeom>
+          <a:noFill/>
+        </p:spPr>
+        <p:txBody>
+          <a:bodyPr wrap="none" rtlCol="0">
+            <a:spAutoFit/>
+          </a:bodyPr>
+          <a:lstStyle/>
+          <a:p>
+            <a:r>
+              <a:rPr lang="de-DE" dirty="0"/>
+              <a:t>Simulationsablauf:</a:t>
             </a:r>
           </a:p>
         </p:txBody>
@@ -8171,73 +8612,7 @@
 </p:sld>
 </file>
 
-<file path=ppt/slides/slide20.xml><?xml version="1.0" encoding="utf-8"?>
-<p:sld xmlns:a="http://schemas.openxmlformats.org/drawingml/2006/main" xmlns:r="http://schemas.openxmlformats.org/officeDocument/2006/relationships" xmlns:p="http://schemas.openxmlformats.org/presentationml/2006/main">
-  <p:cSld>
-    <p:spTree>
-      <p:nvGrpSpPr>
-        <p:cNvPr id="1" name=""/>
-        <p:cNvGrpSpPr/>
-        <p:nvPr/>
-      </p:nvGrpSpPr>
-      <p:grpSpPr>
-        <a:xfrm>
-          <a:off x="0" y="0"/>
-          <a:ext cx="0" cy="0"/>
-          <a:chOff x="0" y="0"/>
-          <a:chExt cx="0" cy="0"/>
-        </a:xfrm>
-      </p:grpSpPr>
-      <p:pic>
-        <p:nvPicPr>
-          <p:cNvPr id="3" name="Grafik 2">
-            <a:extLst>
-              <a:ext uri="{FF2B5EF4-FFF2-40B4-BE49-F238E27FC236}">
-                <a16:creationId xmlns:a16="http://schemas.microsoft.com/office/drawing/2014/main" id="{2CA12FFE-D9CB-4945-AA3A-D1CFE41FA836}"/>
-              </a:ext>
-            </a:extLst>
-          </p:cNvPr>
-          <p:cNvPicPr>
-            <a:picLocks noChangeAspect="1"/>
-          </p:cNvPicPr>
-          <p:nvPr/>
-        </p:nvPicPr>
-        <p:blipFill>
-          <a:blip r:embed="rId2">
-            <a:extLst>
-              <a:ext uri="{28A0092B-C50C-407E-A947-70E740481C1C}">
-                <a14:useLocalDpi xmlns:a14="http://schemas.microsoft.com/office/drawing/2010/main" val="0"/>
-              </a:ext>
-            </a:extLst>
-          </a:blip>
-          <a:stretch>
-            <a:fillRect/>
-          </a:stretch>
-        </p:blipFill>
-        <p:spPr>
-          <a:xfrm>
-            <a:off x="1776000" y="619819"/>
-            <a:ext cx="8640000" cy="5618361"/>
-          </a:xfrm>
-          <a:prstGeom prst="rect">
-            <a:avLst/>
-          </a:prstGeom>
-        </p:spPr>
-      </p:pic>
-    </p:spTree>
-    <p:extLst>
-      <p:ext uri="{BB962C8B-B14F-4D97-AF65-F5344CB8AC3E}">
-        <p14:creationId xmlns:p14="http://schemas.microsoft.com/office/powerpoint/2010/main" val="4093659205"/>
-      </p:ext>
-    </p:extLst>
-  </p:cSld>
-  <p:clrMapOvr>
-    <a:masterClrMapping/>
-  </p:clrMapOvr>
-</p:sld>
-</file>
-
-<file path=ppt/slides/slide3.xml><?xml version="1.0" encoding="utf-8"?>
+<file path=ppt/slides/slide4.xml><?xml version="1.0" encoding="utf-8"?>
 <p:sld xmlns:a="http://schemas.openxmlformats.org/drawingml/2006/main" xmlns:r="http://schemas.openxmlformats.org/officeDocument/2006/relationships" xmlns:p="http://schemas.openxmlformats.org/presentationml/2006/main">
   <p:cSld>
     <p:spTree>
@@ -8303,7 +8678,7 @@
 </p:sld>
 </file>
 
-<file path=ppt/slides/slide4.xml><?xml version="1.0" encoding="utf-8"?>
+<file path=ppt/slides/slide5.xml><?xml version="1.0" encoding="utf-8"?>
 <p:sld xmlns:a="http://schemas.openxmlformats.org/drawingml/2006/main" xmlns:r="http://schemas.openxmlformats.org/officeDocument/2006/relationships" xmlns:p="http://schemas.openxmlformats.org/presentationml/2006/main">
   <p:cSld>
     <p:spTree>
@@ -8625,7 +9000,7 @@
 </p:sld>
 </file>
 
-<file path=ppt/slides/slide5.xml><?xml version="1.0" encoding="utf-8"?>
+<file path=ppt/slides/slide6.xml><?xml version="1.0" encoding="utf-8"?>
 <p:sld xmlns:a="http://schemas.openxmlformats.org/drawingml/2006/main" xmlns:r="http://schemas.openxmlformats.org/officeDocument/2006/relationships" xmlns:p="http://schemas.openxmlformats.org/presentationml/2006/main">
   <p:cSld>
     <p:spTree>
@@ -15670,7 +16045,7 @@
 </p:sld>
 </file>
 
-<file path=ppt/slides/slide6.xml><?xml version="1.0" encoding="utf-8"?>
+<file path=ppt/slides/slide7.xml><?xml version="1.0" encoding="utf-8"?>
 <p:sld xmlns:a="http://schemas.openxmlformats.org/drawingml/2006/main" xmlns:r="http://schemas.openxmlformats.org/officeDocument/2006/relationships" xmlns:p="http://schemas.openxmlformats.org/presentationml/2006/main">
   <p:cSld>
     <p:spTree>
@@ -20783,7 +21158,7 @@
 </p:sld>
 </file>
 
-<file path=ppt/slides/slide7.xml><?xml version="1.0" encoding="utf-8"?>
+<file path=ppt/slides/slide8.xml><?xml version="1.0" encoding="utf-8"?>
 <p:sld xmlns:a="http://schemas.openxmlformats.org/drawingml/2006/main" xmlns:r="http://schemas.openxmlformats.org/officeDocument/2006/relationships" xmlns:p="http://schemas.openxmlformats.org/presentationml/2006/main">
   <p:cSld>
     <p:spTree>
@@ -20854,7 +21229,7 @@
 </p:sld>
 </file>
 
-<file path=ppt/slides/slide8.xml><?xml version="1.0" encoding="utf-8"?>
+<file path=ppt/slides/slide9.xml><?xml version="1.0" encoding="utf-8"?>
 <p:sld xmlns:a="http://schemas.openxmlformats.org/drawingml/2006/main" xmlns:r="http://schemas.openxmlformats.org/officeDocument/2006/relationships" xmlns:p="http://schemas.openxmlformats.org/presentationml/2006/main">
   <p:cSld>
     <p:spTree>
@@ -20988,186 +21363,6 @@
   <p:clrMapOvr>
     <a:masterClrMapping/>
   </p:clrMapOvr>
-</p:sld>
-</file>
-
-<file path=ppt/slides/slide9.xml><?xml version="1.0" encoding="utf-8"?>
-<p:sld xmlns:a="http://schemas.openxmlformats.org/drawingml/2006/main" xmlns:r="http://schemas.openxmlformats.org/officeDocument/2006/relationships" xmlns:p="http://schemas.openxmlformats.org/presentationml/2006/main">
-  <p:cSld>
-    <p:spTree>
-      <p:nvGrpSpPr>
-        <p:cNvPr id="1" name=""/>
-        <p:cNvGrpSpPr/>
-        <p:nvPr/>
-      </p:nvGrpSpPr>
-      <p:grpSpPr>
-        <a:xfrm>
-          <a:off x="0" y="0"/>
-          <a:ext cx="0" cy="0"/>
-          <a:chOff x="0" y="0"/>
-          <a:chExt cx="0" cy="0"/>
-        </a:xfrm>
-      </p:grpSpPr>
-      <p:pic>
-        <p:nvPicPr>
-          <p:cNvPr id="6" name="Inhaltsplatzhalter 5">
-            <a:extLst>
-              <a:ext uri="{FF2B5EF4-FFF2-40B4-BE49-F238E27FC236}">
-                <a16:creationId xmlns:a16="http://schemas.microsoft.com/office/drawing/2014/main" id="{351667C9-D245-4715-B807-FBFE58A99275}"/>
-              </a:ext>
-            </a:extLst>
-          </p:cNvPr>
-          <p:cNvPicPr>
-            <a:picLocks noGrp="1" noChangeAspect="1"/>
-          </p:cNvPicPr>
-          <p:nvPr>
-            <p:ph idx="1"/>
-          </p:nvPr>
-        </p:nvPicPr>
-        <p:blipFill>
-          <a:blip r:embed="rId2">
-            <a:extLst>
-              <a:ext uri="{28A0092B-C50C-407E-A947-70E740481C1C}">
-                <a14:useLocalDpi xmlns:a14="http://schemas.microsoft.com/office/drawing/2010/main" val="0"/>
-              </a:ext>
-            </a:extLst>
-          </a:blip>
-          <a:stretch>
-            <a:fillRect/>
-          </a:stretch>
-        </p:blipFill>
-        <p:spPr>
-          <a:xfrm>
-            <a:off x="1776000" y="1778658"/>
-            <a:ext cx="8640000" cy="4510914"/>
-          </a:xfrm>
-          <a:ln>
-            <a:solidFill>
-              <a:schemeClr val="tx1"/>
-            </a:solidFill>
-          </a:ln>
-        </p:spPr>
-      </p:pic>
-      <p:pic>
-        <p:nvPicPr>
-          <p:cNvPr id="5" name="Grafik 4">
-            <a:extLst>
-              <a:ext uri="{FF2B5EF4-FFF2-40B4-BE49-F238E27FC236}">
-                <a16:creationId xmlns:a16="http://schemas.microsoft.com/office/drawing/2014/main" id="{FFAF1358-08BB-4113-861A-E24081C98F29}"/>
-              </a:ext>
-            </a:extLst>
-          </p:cNvPr>
-          <p:cNvPicPr>
-            <a:picLocks noChangeAspect="1"/>
-          </p:cNvPicPr>
-          <p:nvPr/>
-        </p:nvPicPr>
-        <p:blipFill rotWithShape="1">
-          <a:blip r:embed="rId3">
-            <a:extLst>
-              <a:ext uri="{28A0092B-C50C-407E-A947-70E740481C1C}">
-                <a14:useLocalDpi xmlns:a14="http://schemas.microsoft.com/office/drawing/2010/main" val="0"/>
-              </a:ext>
-            </a:extLst>
-          </a:blip>
-          <a:srcRect t="-4" b="75982"/>
-          <a:stretch/>
-        </p:blipFill>
-        <p:spPr>
-          <a:xfrm>
-            <a:off x="1776000" y="361934"/>
-            <a:ext cx="8640000" cy="1044000"/>
-          </a:xfrm>
-          <a:prstGeom prst="rect">
-            <a:avLst/>
-          </a:prstGeom>
-        </p:spPr>
-      </p:pic>
-    </p:spTree>
-    <p:extLst>
-      <p:ext uri="{BB962C8B-B14F-4D97-AF65-F5344CB8AC3E}">
-        <p14:creationId xmlns:p14="http://schemas.microsoft.com/office/powerpoint/2010/main" val="3797189921"/>
-      </p:ext>
-    </p:extLst>
-  </p:cSld>
-  <p:clrMapOvr>
-    <a:masterClrMapping/>
-  </p:clrMapOvr>
-  <p:timing>
-    <p:tnLst>
-      <p:par>
-        <p:cTn id="1" dur="indefinite" restart="never" nodeType="tmRoot">
-          <p:childTnLst>
-            <p:seq concurrent="1" nextAc="seek">
-              <p:cTn id="2" dur="indefinite" nodeType="mainSeq">
-                <p:childTnLst>
-                  <p:par>
-                    <p:cTn id="3" fill="hold">
-                      <p:stCondLst>
-                        <p:cond delay="indefinite"/>
-                      </p:stCondLst>
-                      <p:childTnLst>
-                        <p:par>
-                          <p:cTn id="4" fill="hold">
-                            <p:stCondLst>
-                              <p:cond delay="0"/>
-                            </p:stCondLst>
-                            <p:childTnLst>
-                              <p:par>
-                                <p:cTn id="5" presetID="1" presetClass="entr" presetSubtype="0" fill="hold" nodeType="clickEffect">
-                                  <p:stCondLst>
-                                    <p:cond delay="0"/>
-                                  </p:stCondLst>
-                                  <p:childTnLst>
-                                    <p:set>
-                                      <p:cBhvr>
-                                        <p:cTn id="6" dur="1" fill="hold">
-                                          <p:stCondLst>
-                                            <p:cond delay="0"/>
-                                          </p:stCondLst>
-                                        </p:cTn>
-                                        <p:tgtEl>
-                                          <p:spTgt spid="5"/>
-                                        </p:tgtEl>
-                                        <p:attrNameLst>
-                                          <p:attrName>style.visibility</p:attrName>
-                                        </p:attrNameLst>
-                                      </p:cBhvr>
-                                      <p:to>
-                                        <p:strVal val="visible"/>
-                                      </p:to>
-                                    </p:set>
-                                  </p:childTnLst>
-                                </p:cTn>
-                              </p:par>
-                            </p:childTnLst>
-                          </p:cTn>
-                        </p:par>
-                      </p:childTnLst>
-                    </p:cTn>
-                  </p:par>
-                </p:childTnLst>
-              </p:cTn>
-              <p:prevCondLst>
-                <p:cond evt="onPrev" delay="0">
-                  <p:tgtEl>
-                    <p:sldTgt/>
-                  </p:tgtEl>
-                </p:cond>
-              </p:prevCondLst>
-              <p:nextCondLst>
-                <p:cond evt="onNext" delay="0">
-                  <p:tgtEl>
-                    <p:sldTgt/>
-                  </p:tgtEl>
-                </p:cond>
-              </p:nextCondLst>
-            </p:seq>
-          </p:childTnLst>
-        </p:cTn>
-      </p:par>
-    </p:tnLst>
-  </p:timing>
 </p:sld>
 </file>
 
